--- a/Statsphere.pptx
+++ b/Statsphere.pptx
@@ -5,7 +5,7 @@
     <p:sldMasterId id="2147483648" r:id="rId1"/>
   </p:sldMasterIdLst>
   <p:notesMasterIdLst>
-    <p:notesMasterId r:id="rId29"/>
+    <p:notesMasterId r:id="rId32"/>
   </p:notesMasterIdLst>
   <p:sldIdLst>
     <p:sldId id="256" r:id="rId2"/>
@@ -28,13 +28,16 @@
     <p:sldId id="279" r:id="rId19"/>
     <p:sldId id="280" r:id="rId20"/>
     <p:sldId id="281" r:id="rId21"/>
-    <p:sldId id="282" r:id="rId22"/>
-    <p:sldId id="283" r:id="rId23"/>
-    <p:sldId id="284" r:id="rId24"/>
-    <p:sldId id="285" r:id="rId25"/>
-    <p:sldId id="286" r:id="rId26"/>
-    <p:sldId id="287" r:id="rId27"/>
-    <p:sldId id="288" r:id="rId28"/>
+    <p:sldId id="290" r:id="rId22"/>
+    <p:sldId id="282" r:id="rId23"/>
+    <p:sldId id="291" r:id="rId24"/>
+    <p:sldId id="292" r:id="rId25"/>
+    <p:sldId id="293" r:id="rId26"/>
+    <p:sldId id="284" r:id="rId27"/>
+    <p:sldId id="285" r:id="rId28"/>
+    <p:sldId id="286" r:id="rId29"/>
+    <p:sldId id="287" r:id="rId30"/>
+    <p:sldId id="288" r:id="rId31"/>
   </p:sldIdLst>
   <p:sldSz cx="12192000" cy="6858000"/>
   <p:notesSz cx="6858000" cy="9144000"/>
@@ -133,7 +136,231 @@
       </a:defRPr>
     </a:lvl9pPr>
   </p:defaultTextStyle>
+  <p:extLst>
+    <p:ext uri="{EFAFB233-063F-42B5-8137-9DF3F51BA10A}">
+      <p15:sldGuideLst xmlns:p15="http://schemas.microsoft.com/office/powerpoint/2012/main"/>
+    </p:ext>
+  </p:extLst>
 </p:presentation>
+</file>
+
+<file path=ppt/revisionInfo.xml><?xml version="1.0" encoding="utf-8"?>
+<p1510:revInfo xmlns:a="http://schemas.openxmlformats.org/drawingml/2006/main" xmlns:r="http://schemas.openxmlformats.org/officeDocument/2006/relationships" xmlns:p1510="http://schemas.microsoft.com/office/powerpoint/2015/10/main">
+  <p1510:revLst>
+    <p1510:client id="{FDA49B1F-8DAF-457C-A9FC-155DF1EC19BE}" v="8" dt="2025-05-10T11:21:42.317"/>
+  </p1510:revLst>
+</p1510:revInfo>
+</file>
+
+<file path=ppt/changesInfos/changesInfo1.xml><?xml version="1.0" encoding="utf-8"?>
+<pc:chgInfo xmlns:a="http://schemas.openxmlformats.org/drawingml/2006/main" xmlns:r="http://schemas.openxmlformats.org/officeDocument/2006/relationships" xmlns:ac="http://schemas.microsoft.com/office/drawing/2013/main/command" xmlns:pc="http://schemas.microsoft.com/office/powerpoint/2013/main/command">
+  <pc:docChgLst>
+    <pc:chgData name="Hajar Mohammed Ahmed" userId="3a66cff2-8b1d-4518-ba7c-e9d62941c9c1" providerId="ADAL" clId="{FDA49B1F-8DAF-457C-A9FC-155DF1EC19BE}"/>
+    <pc:docChg chg="undo custSel addSld delSld modSld">
+      <pc:chgData name="Hajar Mohammed Ahmed" userId="3a66cff2-8b1d-4518-ba7c-e9d62941c9c1" providerId="ADAL" clId="{FDA49B1F-8DAF-457C-A9FC-155DF1EC19BE}" dt="2025-05-10T11:27:57.718" v="82" actId="113"/>
+      <pc:docMkLst>
+        <pc:docMk/>
+      </pc:docMkLst>
+      <pc:sldChg chg="modSp mod">
+        <pc:chgData name="Hajar Mohammed Ahmed" userId="3a66cff2-8b1d-4518-ba7c-e9d62941c9c1" providerId="ADAL" clId="{FDA49B1F-8DAF-457C-A9FC-155DF1EC19BE}" dt="2025-05-10T11:26:59.009" v="73" actId="1076"/>
+        <pc:sldMkLst>
+          <pc:docMk/>
+          <pc:sldMk cId="808262274" sldId="279"/>
+        </pc:sldMkLst>
+        <pc:spChg chg="mod">
+          <ac:chgData name="Hajar Mohammed Ahmed" userId="3a66cff2-8b1d-4518-ba7c-e9d62941c9c1" providerId="ADAL" clId="{FDA49B1F-8DAF-457C-A9FC-155DF1EC19BE}" dt="2025-05-10T11:26:59.009" v="73" actId="1076"/>
+          <ac:spMkLst>
+            <pc:docMk/>
+            <pc:sldMk cId="808262274" sldId="279"/>
+            <ac:spMk id="9" creationId="{E6384A8C-5EFB-4820-9EAF-7AB5B4573FB7}"/>
+          </ac:spMkLst>
+        </pc:spChg>
+      </pc:sldChg>
+      <pc:sldChg chg="modSp mod">
+        <pc:chgData name="Hajar Mohammed Ahmed" userId="3a66cff2-8b1d-4518-ba7c-e9d62941c9c1" providerId="ADAL" clId="{FDA49B1F-8DAF-457C-A9FC-155DF1EC19BE}" dt="2025-05-10T11:27:26.693" v="77" actId="1440"/>
+        <pc:sldMkLst>
+          <pc:docMk/>
+          <pc:sldMk cId="2195972145" sldId="282"/>
+        </pc:sldMkLst>
+        <pc:picChg chg="mod">
+          <ac:chgData name="Hajar Mohammed Ahmed" userId="3a66cff2-8b1d-4518-ba7c-e9d62941c9c1" providerId="ADAL" clId="{FDA49B1F-8DAF-457C-A9FC-155DF1EC19BE}" dt="2025-05-10T11:27:26.693" v="77" actId="1440"/>
+          <ac:picMkLst>
+            <pc:docMk/>
+            <pc:sldMk cId="2195972145" sldId="282"/>
+            <ac:picMk id="2" creationId="{3EA41746-3538-3482-79F7-7103347B62C1}"/>
+          </ac:picMkLst>
+        </pc:picChg>
+        <pc:picChg chg="mod">
+          <ac:chgData name="Hajar Mohammed Ahmed" userId="3a66cff2-8b1d-4518-ba7c-e9d62941c9c1" providerId="ADAL" clId="{FDA49B1F-8DAF-457C-A9FC-155DF1EC19BE}" dt="2025-05-10T11:27:25.634" v="76" actId="1440"/>
+          <ac:picMkLst>
+            <pc:docMk/>
+            <pc:sldMk cId="2195972145" sldId="282"/>
+            <ac:picMk id="5" creationId="{5033C695-FFBA-13A6-6334-C4CF92C0AB7E}"/>
+          </ac:picMkLst>
+        </pc:picChg>
+      </pc:sldChg>
+      <pc:sldChg chg="del">
+        <pc:chgData name="Hajar Mohammed Ahmed" userId="3a66cff2-8b1d-4518-ba7c-e9d62941c9c1" providerId="ADAL" clId="{FDA49B1F-8DAF-457C-A9FC-155DF1EC19BE}" dt="2025-05-10T11:19:19.006" v="2" actId="47"/>
+        <pc:sldMkLst>
+          <pc:docMk/>
+          <pc:sldMk cId="1915201763" sldId="283"/>
+        </pc:sldMkLst>
+      </pc:sldChg>
+      <pc:sldChg chg="modSp mod">
+        <pc:chgData name="Hajar Mohammed Ahmed" userId="3a66cff2-8b1d-4518-ba7c-e9d62941c9c1" providerId="ADAL" clId="{FDA49B1F-8DAF-457C-A9FC-155DF1EC19BE}" dt="2025-05-10T11:25:36.653" v="64" actId="108"/>
+        <pc:sldMkLst>
+          <pc:docMk/>
+          <pc:sldMk cId="217384262" sldId="284"/>
+        </pc:sldMkLst>
+        <pc:spChg chg="mod">
+          <ac:chgData name="Hajar Mohammed Ahmed" userId="3a66cff2-8b1d-4518-ba7c-e9d62941c9c1" providerId="ADAL" clId="{FDA49B1F-8DAF-457C-A9FC-155DF1EC19BE}" dt="2025-05-10T11:25:36.653" v="64" actId="108"/>
+          <ac:spMkLst>
+            <pc:docMk/>
+            <pc:sldMk cId="217384262" sldId="284"/>
+            <ac:spMk id="13" creationId="{3B54F22A-253D-4064-812B-94821680EB1E}"/>
+          </ac:spMkLst>
+        </pc:spChg>
+      </pc:sldChg>
+      <pc:sldChg chg="modSp mod">
+        <pc:chgData name="Hajar Mohammed Ahmed" userId="3a66cff2-8b1d-4518-ba7c-e9d62941c9c1" providerId="ADAL" clId="{FDA49B1F-8DAF-457C-A9FC-155DF1EC19BE}" dt="2025-05-10T11:25:39.929" v="71" actId="108"/>
+        <pc:sldMkLst>
+          <pc:docMk/>
+          <pc:sldMk cId="2349390111" sldId="285"/>
+        </pc:sldMkLst>
+        <pc:spChg chg="mod">
+          <ac:chgData name="Hajar Mohammed Ahmed" userId="3a66cff2-8b1d-4518-ba7c-e9d62941c9c1" providerId="ADAL" clId="{FDA49B1F-8DAF-457C-A9FC-155DF1EC19BE}" dt="2025-05-10T11:25:39.929" v="71" actId="108"/>
+          <ac:spMkLst>
+            <pc:docMk/>
+            <pc:sldMk cId="2349390111" sldId="285"/>
+            <ac:spMk id="13" creationId="{3B54F22A-253D-4064-812B-94821680EB1E}"/>
+          </ac:spMkLst>
+        </pc:spChg>
+        <pc:picChg chg="mod">
+          <ac:chgData name="Hajar Mohammed Ahmed" userId="3a66cff2-8b1d-4518-ba7c-e9d62941c9c1" providerId="ADAL" clId="{FDA49B1F-8DAF-457C-A9FC-155DF1EC19BE}" dt="2025-05-10T11:25:38.528" v="68" actId="1076"/>
+          <ac:picMkLst>
+            <pc:docMk/>
+            <pc:sldMk cId="2349390111" sldId="285"/>
+            <ac:picMk id="3" creationId="{52C57CA1-5C2C-4B06-81E0-4F087296F58D}"/>
+          </ac:picMkLst>
+        </pc:picChg>
+        <pc:picChg chg="mod">
+          <ac:chgData name="Hajar Mohammed Ahmed" userId="3a66cff2-8b1d-4518-ba7c-e9d62941c9c1" providerId="ADAL" clId="{FDA49B1F-8DAF-457C-A9FC-155DF1EC19BE}" dt="2025-05-10T11:25:38.978" v="69" actId="1076"/>
+          <ac:picMkLst>
+            <pc:docMk/>
+            <pc:sldMk cId="2349390111" sldId="285"/>
+            <ac:picMk id="9" creationId="{70C510E0-3472-488A-9293-2D6EF9C3BE5C}"/>
+          </ac:picMkLst>
+        </pc:picChg>
+      </pc:sldChg>
+      <pc:sldChg chg="modSp mod">
+        <pc:chgData name="Hajar Mohammed Ahmed" userId="3a66cff2-8b1d-4518-ba7c-e9d62941c9c1" providerId="ADAL" clId="{FDA49B1F-8DAF-457C-A9FC-155DF1EC19BE}" dt="2025-05-10T11:23:06.713" v="24" actId="108"/>
+        <pc:sldMkLst>
+          <pc:docMk/>
+          <pc:sldMk cId="1613853445" sldId="286"/>
+        </pc:sldMkLst>
+        <pc:spChg chg="mod">
+          <ac:chgData name="Hajar Mohammed Ahmed" userId="3a66cff2-8b1d-4518-ba7c-e9d62941c9c1" providerId="ADAL" clId="{FDA49B1F-8DAF-457C-A9FC-155DF1EC19BE}" dt="2025-05-10T11:23:06.713" v="24" actId="108"/>
+          <ac:spMkLst>
+            <pc:docMk/>
+            <pc:sldMk cId="1613853445" sldId="286"/>
+            <ac:spMk id="13" creationId="{3B54F22A-253D-4064-812B-94821680EB1E}"/>
+          </ac:spMkLst>
+        </pc:spChg>
+      </pc:sldChg>
+      <pc:sldChg chg="modSp mod">
+        <pc:chgData name="Hajar Mohammed Ahmed" userId="3a66cff2-8b1d-4518-ba7c-e9d62941c9c1" providerId="ADAL" clId="{FDA49B1F-8DAF-457C-A9FC-155DF1EC19BE}" dt="2025-05-10T11:23:15.731" v="26" actId="404"/>
+        <pc:sldMkLst>
+          <pc:docMk/>
+          <pc:sldMk cId="558670743" sldId="287"/>
+        </pc:sldMkLst>
+        <pc:spChg chg="mod">
+          <ac:chgData name="Hajar Mohammed Ahmed" userId="3a66cff2-8b1d-4518-ba7c-e9d62941c9c1" providerId="ADAL" clId="{FDA49B1F-8DAF-457C-A9FC-155DF1EC19BE}" dt="2025-05-10T11:23:15.731" v="26" actId="404"/>
+          <ac:spMkLst>
+            <pc:docMk/>
+            <pc:sldMk cId="558670743" sldId="287"/>
+            <ac:spMk id="13" creationId="{3B54F22A-253D-4064-812B-94821680EB1E}"/>
+          </ac:spMkLst>
+        </pc:spChg>
+        <pc:picChg chg="mod">
+          <ac:chgData name="Hajar Mohammed Ahmed" userId="3a66cff2-8b1d-4518-ba7c-e9d62941c9c1" providerId="ADAL" clId="{FDA49B1F-8DAF-457C-A9FC-155DF1EC19BE}" dt="2025-05-10T11:22:58.282" v="23" actId="1076"/>
+          <ac:picMkLst>
+            <pc:docMk/>
+            <pc:sldMk cId="558670743" sldId="287"/>
+            <ac:picMk id="3" creationId="{52C57CA1-5C2C-4B06-81E0-4F087296F58D}"/>
+          </ac:picMkLst>
+        </pc:picChg>
+      </pc:sldChg>
+      <pc:sldChg chg="addSp delSp modSp add mod">
+        <pc:chgData name="Hajar Mohammed Ahmed" userId="3a66cff2-8b1d-4518-ba7c-e9d62941c9c1" providerId="ADAL" clId="{FDA49B1F-8DAF-457C-A9FC-155DF1EC19BE}" dt="2025-05-10T11:20:29.847" v="15" actId="403"/>
+        <pc:sldMkLst>
+          <pc:docMk/>
+          <pc:sldMk cId="745881776" sldId="291"/>
+        </pc:sldMkLst>
+        <pc:spChg chg="mod">
+          <ac:chgData name="Hajar Mohammed Ahmed" userId="3a66cff2-8b1d-4518-ba7c-e9d62941c9c1" providerId="ADAL" clId="{FDA49B1F-8DAF-457C-A9FC-155DF1EC19BE}" dt="2025-05-10T11:20:29.847" v="15" actId="403"/>
+          <ac:spMkLst>
+            <pc:docMk/>
+            <pc:sldMk cId="745881776" sldId="291"/>
+            <ac:spMk id="13" creationId="{3B54F22A-253D-4064-812B-94821680EB1E}"/>
+          </ac:spMkLst>
+        </pc:spChg>
+        <pc:picChg chg="add mod">
+          <ac:chgData name="Hajar Mohammed Ahmed" userId="3a66cff2-8b1d-4518-ba7c-e9d62941c9c1" providerId="ADAL" clId="{FDA49B1F-8DAF-457C-A9FC-155DF1EC19BE}" dt="2025-05-10T11:20:26.239" v="13" actId="1076"/>
+          <ac:picMkLst>
+            <pc:docMk/>
+            <pc:sldMk cId="745881776" sldId="291"/>
+            <ac:picMk id="2" creationId="{176D03F7-73E9-BFDE-3233-0F78286B6AF7}"/>
+          </ac:picMkLst>
+        </pc:picChg>
+        <pc:picChg chg="del">
+          <ac:chgData name="Hajar Mohammed Ahmed" userId="3a66cff2-8b1d-4518-ba7c-e9d62941c9c1" providerId="ADAL" clId="{FDA49B1F-8DAF-457C-A9FC-155DF1EC19BE}" dt="2025-05-10T11:19:41.176" v="5" actId="478"/>
+          <ac:picMkLst>
+            <pc:docMk/>
+            <pc:sldMk cId="745881776" sldId="291"/>
+            <ac:picMk id="10" creationId="{F9B15B0D-84FB-4510-947E-18BBAC998AB1}"/>
+          </ac:picMkLst>
+        </pc:picChg>
+      </pc:sldChg>
+      <pc:sldChg chg="modSp add mod">
+        <pc:chgData name="Hajar Mohammed Ahmed" userId="3a66cff2-8b1d-4518-ba7c-e9d62941c9c1" providerId="ADAL" clId="{FDA49B1F-8DAF-457C-A9FC-155DF1EC19BE}" dt="2025-05-10T11:25:34.093" v="59" actId="108"/>
+        <pc:sldMkLst>
+          <pc:docMk/>
+          <pc:sldMk cId="12627" sldId="292"/>
+        </pc:sldMkLst>
+        <pc:spChg chg="mod">
+          <ac:chgData name="Hajar Mohammed Ahmed" userId="3a66cff2-8b1d-4518-ba7c-e9d62941c9c1" providerId="ADAL" clId="{FDA49B1F-8DAF-457C-A9FC-155DF1EC19BE}" dt="2025-05-10T11:25:34.093" v="59" actId="108"/>
+          <ac:spMkLst>
+            <pc:docMk/>
+            <pc:sldMk cId="12627" sldId="292"/>
+            <ac:spMk id="13" creationId="{20245D20-D2BA-95E5-E44E-AA5CA112E5AF}"/>
+          </ac:spMkLst>
+        </pc:spChg>
+      </pc:sldChg>
+      <pc:sldChg chg="modSp add mod">
+        <pc:chgData name="Hajar Mohammed Ahmed" userId="3a66cff2-8b1d-4518-ba7c-e9d62941c9c1" providerId="ADAL" clId="{FDA49B1F-8DAF-457C-A9FC-155DF1EC19BE}" dt="2025-05-10T11:27:57.718" v="82" actId="113"/>
+        <pc:sldMkLst>
+          <pc:docMk/>
+          <pc:sldMk cId="2934710928" sldId="293"/>
+        </pc:sldMkLst>
+        <pc:spChg chg="mod">
+          <ac:chgData name="Hajar Mohammed Ahmed" userId="3a66cff2-8b1d-4518-ba7c-e9d62941c9c1" providerId="ADAL" clId="{FDA49B1F-8DAF-457C-A9FC-155DF1EC19BE}" dt="2025-05-10T11:27:57.718" v="82" actId="113"/>
+          <ac:spMkLst>
+            <pc:docMk/>
+            <pc:sldMk cId="2934710928" sldId="293"/>
+            <ac:spMk id="13" creationId="{C483B2A8-E25C-0E60-99E1-6A42C61769BF}"/>
+          </ac:spMkLst>
+        </pc:spChg>
+      </pc:sldChg>
+      <pc:sldChg chg="add del">
+        <pc:chgData name="Hajar Mohammed Ahmed" userId="3a66cff2-8b1d-4518-ba7c-e9d62941c9c1" providerId="ADAL" clId="{FDA49B1F-8DAF-457C-A9FC-155DF1EC19BE}" dt="2025-05-10T11:21:42.291" v="18"/>
+        <pc:sldMkLst>
+          <pc:docMk/>
+          <pc:sldMk cId="2027340703" sldId="294"/>
+        </pc:sldMkLst>
+      </pc:sldChg>
+    </pc:docChg>
+  </pc:docChgLst>
+</pc:chgInfo>
 </file>
 
 <file path=ppt/notesMasters/notesMaster1.xml><?xml version="1.0" encoding="utf-8"?>
@@ -218,7 +445,7 @@
           <a:p>
             <a:fld id="{C2DE7242-8D9B-4DC7-A6AC-A13C08EED500}" type="datetimeFigureOut">
               <a:rPr lang="en-US" smtClean="0"/>
-              <a:t>5/9/2025</a:t>
+              <a:t>5/10/2025</a:t>
             </a:fld>
             <a:endParaRPr lang="en-US"/>
           </a:p>
@@ -632,7 +859,7 @@
           <a:p>
             <a:fld id="{3203EBB6-71FE-4076-91F8-EE0698BD8A40}" type="datetime1">
               <a:rPr lang="en-US" smtClean="0"/>
-              <a:t>5/9/2025</a:t>
+              <a:t>5/10/2025</a:t>
             </a:fld>
             <a:endParaRPr lang="en-US"/>
           </a:p>
@@ -830,7 +1057,7 @@
           <a:p>
             <a:fld id="{C767AE91-2507-4D0A-A73E-6A0DAC95E35D}" type="datetime1">
               <a:rPr lang="en-US" smtClean="0"/>
-              <a:t>5/9/2025</a:t>
+              <a:t>5/10/2025</a:t>
             </a:fld>
             <a:endParaRPr lang="en-US"/>
           </a:p>
@@ -1038,7 +1265,7 @@
           <a:p>
             <a:fld id="{4AAEEEEF-E298-43B4-8F05-FBE95C70C2C3}" type="datetime1">
               <a:rPr lang="en-US" smtClean="0"/>
-              <a:t>5/9/2025</a:t>
+              <a:t>5/10/2025</a:t>
             </a:fld>
             <a:endParaRPr lang="en-US"/>
           </a:p>
@@ -1236,7 +1463,7 @@
           <a:p>
             <a:fld id="{2754997E-A0AA-41E4-B3B2-013A64CDA7F5}" type="datetime1">
               <a:rPr lang="en-US" smtClean="0"/>
-              <a:t>5/9/2025</a:t>
+              <a:t>5/10/2025</a:t>
             </a:fld>
             <a:endParaRPr lang="en-US"/>
           </a:p>
@@ -1511,7 +1738,7 @@
           <a:p>
             <a:fld id="{930CA502-4BBE-41C7-8BF2-C60AC8120289}" type="datetime1">
               <a:rPr lang="en-US" smtClean="0"/>
-              <a:t>5/9/2025</a:t>
+              <a:t>5/10/2025</a:t>
             </a:fld>
             <a:endParaRPr lang="en-US"/>
           </a:p>
@@ -1776,7 +2003,7 @@
           <a:p>
             <a:fld id="{15AA3DCD-A829-4D6B-BE2E-628F257EB27E}" type="datetime1">
               <a:rPr lang="en-US" smtClean="0"/>
-              <a:t>5/9/2025</a:t>
+              <a:t>5/10/2025</a:t>
             </a:fld>
             <a:endParaRPr lang="en-US"/>
           </a:p>
@@ -2188,7 +2415,7 @@
           <a:p>
             <a:fld id="{084D70D1-0F06-4E7E-B484-034181431D23}" type="datetime1">
               <a:rPr lang="en-US" smtClean="0"/>
-              <a:t>5/9/2025</a:t>
+              <a:t>5/10/2025</a:t>
             </a:fld>
             <a:endParaRPr lang="en-US"/>
           </a:p>
@@ -2329,7 +2556,7 @@
           <a:p>
             <a:fld id="{10868CA4-3C32-4865-9A3A-5BCAB7B624CF}" type="datetime1">
               <a:rPr lang="en-US" smtClean="0"/>
-              <a:t>5/9/2025</a:t>
+              <a:t>5/10/2025</a:t>
             </a:fld>
             <a:endParaRPr lang="en-US"/>
           </a:p>
@@ -2442,7 +2669,7 @@
           <a:p>
             <a:fld id="{211BC6B3-3AAF-4A05-B2E4-017F9C04FFCF}" type="datetime1">
               <a:rPr lang="en-US" smtClean="0"/>
-              <a:t>5/9/2025</a:t>
+              <a:t>5/10/2025</a:t>
             </a:fld>
             <a:endParaRPr lang="en-US"/>
           </a:p>
@@ -2753,7 +2980,7 @@
           <a:p>
             <a:fld id="{FF5F8510-F0B0-4CAF-9714-FAD5D098B586}" type="datetime1">
               <a:rPr lang="en-US" smtClean="0"/>
-              <a:t>5/9/2025</a:t>
+              <a:t>5/10/2025</a:t>
             </a:fld>
             <a:endParaRPr lang="en-US"/>
           </a:p>
@@ -3041,7 +3268,7 @@
           <a:p>
             <a:fld id="{9B89F25A-CED3-4571-ACC3-FE8C51C51E64}" type="datetime1">
               <a:rPr lang="en-US" smtClean="0"/>
-              <a:t>5/9/2025</a:t>
+              <a:t>5/10/2025</a:t>
             </a:fld>
             <a:endParaRPr lang="en-US"/>
           </a:p>
@@ -3282,7 +3509,7 @@
           <a:p>
             <a:fld id="{143BB5CF-0B71-4AD0-B1D9-28E2671EDF6B}" type="datetime1">
               <a:rPr lang="en-US" smtClean="0"/>
-              <a:t>5/9/2025</a:t>
+              <a:t>5/10/2025</a:t>
             </a:fld>
             <a:endParaRPr lang="en-US"/>
           </a:p>
@@ -4009,7 +4236,7 @@
                   </a:extLst>
                 </a:hlinkClick>
               </a:rPr>
-              <a:t>Our GitHub Repository </a:t>
+              <a:t>GitHub Repository </a:t>
             </a:r>
             <a:endParaRPr lang="en-US" dirty="0">
               <a:solidFill>
@@ -4177,7 +4404,7 @@
         <p:spPr>
           <a:xfrm>
             <a:off x="444617" y="1698395"/>
-            <a:ext cx="5289433" cy="461665"/>
+            <a:ext cx="5783463" cy="461665"/>
           </a:xfrm>
           <a:prstGeom prst="rect">
             <a:avLst/>
@@ -4228,7 +4455,7 @@
           </a:lstStyle>
           <a:p>
             <a:r>
-              <a:rPr lang="fr-FR" dirty="0">
+              <a:rPr lang="fr-FR" b="1" dirty="0">
                 <a:solidFill>
                   <a:schemeClr val="bg1">
                     <a:lumMod val="85000"/>
@@ -4237,7 +4464,7 @@
               </a:rPr>
               <a:t>1- PHQ-9 (Patient Health Questionnaire):</a:t>
             </a:r>
-            <a:endParaRPr lang="en-US" dirty="0">
+            <a:endParaRPr lang="en-US" b="1" dirty="0">
               <a:solidFill>
                 <a:schemeClr val="bg1">
                   <a:lumMod val="85000"/>
@@ -4427,7 +4654,27 @@
                   </a:schemeClr>
                 </a:solidFill>
               </a:rPr>
-              <a:t> (PHQ), but can be used as a stand-alone instrument. The PHQ-9 takes less than three minutes to complete. It is scored by simply adding up the individual items' scores.</a:t>
+              <a:t> (</a:t>
+            </a:r>
+            <a:r>
+              <a:rPr lang="en-US" sz="2400" dirty="0" err="1">
+                <a:solidFill>
+                  <a:schemeClr val="bg1">
+                    <a:lumMod val="85000"/>
+                  </a:schemeClr>
+                </a:solidFill>
+              </a:rPr>
+              <a:t>PHQ</a:t>
+            </a:r>
+            <a:r>
+              <a:rPr lang="en-US" sz="2400" dirty="0">
+                <a:solidFill>
+                  <a:schemeClr val="bg1">
+                    <a:lumMod val="85000"/>
+                  </a:schemeClr>
+                </a:solidFill>
+              </a:rPr>
+              <a:t>),but can be used as a stand-alone instrument. The PHQ-9 takes less than three minutes to complete. It is scored by simply adding up the individual items' scores.</a:t>
             </a:r>
           </a:p>
         </p:txBody>
@@ -4442,13 +4689,13 @@
   <p:clrMapOvr>
     <a:masterClrMapping/>
   </p:clrMapOvr>
-  <mc:AlternateContent xmlns:mc="http://schemas.openxmlformats.org/markup-compatibility/2006">
-    <mc:Choice xmlns:p15="http://schemas.microsoft.com/office/powerpoint/2012/main" Requires="p15">
+  <mc:AlternateContent xmlns:mc="http://schemas.openxmlformats.org/markup-compatibility/2006" xmlns:p15="http://schemas.microsoft.com/office/powerpoint/2012/main">
+    <mc:Choice Requires="p15">
       <p:transition xmlns:p14="http://schemas.microsoft.com/office/powerpoint/2010/main" spd="slow" p14:dur="1250">
         <p15:prstTrans prst="pageCurlDouble"/>
       </p:transition>
     </mc:Choice>
-    <mc:Fallback>
+    <mc:Fallback xmlns="">
       <p:transition spd="slow">
         <p:fade/>
       </p:transition>
@@ -4689,7 +4936,7 @@
           <a:lstStyle/>
           <a:p>
             <a:r>
-              <a:rPr lang="en-US" sz="2400" dirty="0">
+              <a:rPr lang="en-US" sz="2400" b="1" dirty="0">
                 <a:solidFill>
                   <a:schemeClr val="bg1">
                     <a:lumMod val="85000"/>
@@ -4708,7 +4955,27 @@
                   </a:schemeClr>
                 </a:solidFill>
               </a:rPr>
-              <a:t>It includes 9 items that assess the patient’s experiences over the past two weeks, covering:</a:t>
+              <a:t>It includes </a:t>
+            </a:r>
+            <a:r>
+              <a:rPr lang="en-US" sz="2400" b="1" dirty="0">
+                <a:solidFill>
+                  <a:schemeClr val="bg1">
+                    <a:lumMod val="85000"/>
+                  </a:schemeClr>
+                </a:solidFill>
+              </a:rPr>
+              <a:t>9 items </a:t>
+            </a:r>
+            <a:r>
+              <a:rPr lang="en-US" sz="2400" dirty="0">
+                <a:solidFill>
+                  <a:schemeClr val="bg1">
+                    <a:lumMod val="85000"/>
+                  </a:schemeClr>
+                </a:solidFill>
+              </a:rPr>
+              <a:t>that assess the patient’s experiences over the past two weeks, covering:</a:t>
             </a:r>
           </a:p>
         </p:txBody>
@@ -4919,13 +5186,13 @@
   <p:clrMapOvr>
     <a:masterClrMapping/>
   </p:clrMapOvr>
-  <mc:AlternateContent xmlns:mc="http://schemas.openxmlformats.org/markup-compatibility/2006">
-    <mc:Choice xmlns:p15="http://schemas.microsoft.com/office/powerpoint/2012/main" Requires="p15">
+  <mc:AlternateContent xmlns:mc="http://schemas.openxmlformats.org/markup-compatibility/2006" xmlns:p15="http://schemas.microsoft.com/office/powerpoint/2012/main">
+    <mc:Choice Requires="p15">
       <p:transition xmlns:p14="http://schemas.microsoft.com/office/powerpoint/2010/main" spd="slow" p14:dur="1250">
         <p15:prstTrans prst="pageCurlDouble"/>
       </p:transition>
     </mc:Choice>
-    <mc:Fallback>
+    <mc:Fallback xmlns="">
       <p:transition spd="slow">
         <p:fade/>
       </p:transition>
@@ -5130,10 +5397,10 @@
           </a:lstStyle>
           <a:p>
             <a:r>
-              <a:rPr lang="fr-FR" dirty="0"/>
+              <a:rPr lang="fr-FR" b="1" dirty="0"/>
               <a:t>2- Stress Level:</a:t>
             </a:r>
-            <a:endParaRPr lang="en-US" dirty="0"/>
+            <a:endParaRPr lang="en-US" b="1" dirty="0"/>
           </a:p>
         </p:txBody>
       </p:sp>
@@ -5209,13 +5476,13 @@
   <p:clrMapOvr>
     <a:masterClrMapping/>
   </p:clrMapOvr>
-  <mc:AlternateContent xmlns:mc="http://schemas.openxmlformats.org/markup-compatibility/2006">
-    <mc:Choice xmlns:p15="http://schemas.microsoft.com/office/powerpoint/2012/main" Requires="p15">
+  <mc:AlternateContent xmlns:mc="http://schemas.openxmlformats.org/markup-compatibility/2006" xmlns:p15="http://schemas.microsoft.com/office/powerpoint/2012/main">
+    <mc:Choice Requires="p15">
       <p:transition xmlns:p14="http://schemas.microsoft.com/office/powerpoint/2010/main" spd="slow" p14:dur="1250">
         <p15:prstTrans prst="pageCurlDouble"/>
       </p:transition>
     </mc:Choice>
-    <mc:Fallback>
+    <mc:Fallback xmlns="">
       <p:transition spd="slow">
         <p:fade/>
       </p:transition>
@@ -5268,7 +5535,7 @@
         </p:blipFill>
         <p:spPr>
           <a:xfrm>
-            <a:off x="1" y="0"/>
+            <a:off x="2" y="0"/>
             <a:ext cx="12191998" cy="6857998"/>
           </a:xfrm>
           <a:prstGeom prst="rect">
@@ -5420,10 +5687,10 @@
           </a:lstStyle>
           <a:p>
             <a:r>
-              <a:rPr lang="fr-FR" dirty="0"/>
+              <a:rPr lang="fr-FR" b="1" dirty="0"/>
               <a:t>2- Stress Level:</a:t>
             </a:r>
-            <a:endParaRPr lang="en-US" dirty="0"/>
+            <a:endParaRPr lang="en-US" b="1" dirty="0"/>
           </a:p>
         </p:txBody>
       </p:sp>
@@ -5441,8 +5708,8 @@
         </p:nvSpPr>
         <p:spPr>
           <a:xfrm>
-            <a:off x="586793" y="2464652"/>
-            <a:ext cx="11262307" cy="830997"/>
+            <a:off x="444617" y="2404441"/>
+            <a:ext cx="11716967" cy="830997"/>
           </a:xfrm>
           <a:prstGeom prst="rect">
             <a:avLst/>
@@ -5456,14 +5723,24 @@
           <a:lstStyle/>
           <a:p>
             <a:r>
-              <a:rPr lang="en-US" sz="2400" dirty="0">
+              <a:rPr lang="en-US" sz="2400" b="1" dirty="0">
                 <a:solidFill>
                   <a:schemeClr val="bg1">
                     <a:lumMod val="85000"/>
                   </a:schemeClr>
                 </a:solidFill>
               </a:rPr>
-              <a:t>In line with these methodologies, the current study adopts a customized self-report instrument that asks respondents to rate their stress level regarding the following factors:</a:t>
+              <a:t>In line with these methodologies, the current study adopts a customized self-report instrument that asks respondents to rate their stress level regarding the following factors</a:t>
+            </a:r>
+            <a:r>
+              <a:rPr lang="en-US" sz="2400" dirty="0">
+                <a:solidFill>
+                  <a:schemeClr val="bg1">
+                    <a:lumMod val="85000"/>
+                  </a:schemeClr>
+                </a:solidFill>
+              </a:rPr>
+              <a:t>:</a:t>
             </a:r>
           </a:p>
         </p:txBody>
@@ -5614,13 +5891,13 @@
   <p:clrMapOvr>
     <a:masterClrMapping/>
   </p:clrMapOvr>
-  <mc:AlternateContent xmlns:mc="http://schemas.openxmlformats.org/markup-compatibility/2006">
-    <mc:Choice xmlns:p15="http://schemas.microsoft.com/office/powerpoint/2012/main" Requires="p15">
+  <mc:AlternateContent xmlns:mc="http://schemas.openxmlformats.org/markup-compatibility/2006" xmlns:p15="http://schemas.microsoft.com/office/powerpoint/2012/main">
+    <mc:Choice Requires="p15">
       <p:transition xmlns:p14="http://schemas.microsoft.com/office/powerpoint/2010/main" spd="slow" p14:dur="1250">
         <p15:prstTrans prst="pageCurlDouble"/>
       </p:transition>
     </mc:Choice>
-    <mc:Fallback>
+    <mc:Fallback xmlns="">
       <p:transition spd="slow">
         <p:fade/>
       </p:transition>
@@ -5825,8 +6102,12 @@
           </a:lstStyle>
           <a:p>
             <a:r>
+              <a:rPr lang="fr-FR" b="1" dirty="0"/>
+              <a:t>3- Expression Comfort</a:t>
+            </a:r>
+            <a:r>
               <a:rPr lang="fr-FR" dirty="0"/>
-              <a:t>3- Expression Comfort:</a:t>
+              <a:t>:</a:t>
             </a:r>
             <a:endParaRPr lang="en-US" dirty="0"/>
           </a:p>
@@ -5904,13 +6185,13 @@
   <p:clrMapOvr>
     <a:masterClrMapping/>
   </p:clrMapOvr>
-  <mc:AlternateContent xmlns:mc="http://schemas.openxmlformats.org/markup-compatibility/2006">
-    <mc:Choice xmlns:p15="http://schemas.microsoft.com/office/powerpoint/2012/main" Requires="p15">
+  <mc:AlternateContent xmlns:mc="http://schemas.openxmlformats.org/markup-compatibility/2006" xmlns:p15="http://schemas.microsoft.com/office/powerpoint/2012/main">
+    <mc:Choice Requires="p15">
       <p:transition xmlns:p14="http://schemas.microsoft.com/office/powerpoint/2010/main" spd="slow" p14:dur="1250">
         <p15:prstTrans prst="pageCurlDouble"/>
       </p:transition>
     </mc:Choice>
-    <mc:Fallback>
+    <mc:Fallback xmlns="">
       <p:transition spd="slow">
         <p:fade/>
       </p:transition>
@@ -6115,8 +6396,12 @@
           </a:lstStyle>
           <a:p>
             <a:r>
+              <a:rPr lang="fr-FR" b="1" dirty="0"/>
+              <a:t>3- Expression Comfort</a:t>
+            </a:r>
+            <a:r>
               <a:rPr lang="fr-FR" dirty="0"/>
-              <a:t>3- Expression Comfort:</a:t>
+              <a:t>:</a:t>
             </a:r>
             <a:endParaRPr lang="en-US" dirty="0"/>
           </a:p>
@@ -6268,13 +6553,13 @@
   <p:clrMapOvr>
     <a:masterClrMapping/>
   </p:clrMapOvr>
-  <mc:AlternateContent xmlns:mc="http://schemas.openxmlformats.org/markup-compatibility/2006">
-    <mc:Choice xmlns:p15="http://schemas.microsoft.com/office/powerpoint/2012/main" Requires="p15">
+  <mc:AlternateContent xmlns:mc="http://schemas.openxmlformats.org/markup-compatibility/2006" xmlns:p15="http://schemas.microsoft.com/office/powerpoint/2012/main">
+    <mc:Choice Requires="p15">
       <p:transition xmlns:p14="http://schemas.microsoft.com/office/powerpoint/2010/main" spd="slow" p14:dur="1250">
         <p15:prstTrans prst="pageCurlDouble"/>
       </p:transition>
     </mc:Choice>
-    <mc:Fallback>
+    <mc:Fallback xmlns="">
       <p:transition spd="slow">
         <p:fade/>
       </p:transition>
@@ -6479,10 +6764,10 @@
           </a:lstStyle>
           <a:p>
             <a:r>
-              <a:rPr lang="fr-FR" dirty="0"/>
+              <a:rPr lang="fr-FR" b="1" dirty="0"/>
               <a:t>3- Expression Comfort:</a:t>
             </a:r>
-            <a:endParaRPr lang="en-US" dirty="0"/>
+            <a:endParaRPr lang="en-US" b="1" dirty="0"/>
           </a:p>
         </p:txBody>
       </p:sp>
@@ -6515,7 +6800,7 @@
           <a:lstStyle/>
           <a:p>
             <a:r>
-              <a:rPr lang="en-US" sz="2400" dirty="0">
+              <a:rPr lang="en-US" sz="2400" b="1" dirty="0">
                 <a:solidFill>
                   <a:schemeClr val="bg1">
                     <a:lumMod val="85000"/>
@@ -6664,13 +6949,13 @@
   <p:clrMapOvr>
     <a:masterClrMapping/>
   </p:clrMapOvr>
-  <mc:AlternateContent xmlns:mc="http://schemas.openxmlformats.org/markup-compatibility/2006">
-    <mc:Choice xmlns:p15="http://schemas.microsoft.com/office/powerpoint/2012/main" Requires="p15">
+  <mc:AlternateContent xmlns:mc="http://schemas.openxmlformats.org/markup-compatibility/2006" xmlns:p15="http://schemas.microsoft.com/office/powerpoint/2012/main">
+    <mc:Choice Requires="p15">
       <p:transition xmlns:p14="http://schemas.microsoft.com/office/powerpoint/2010/main" spd="slow" p14:dur="1250">
         <p15:prstTrans prst="pageCurlDouble"/>
       </p:transition>
     </mc:Choice>
-    <mc:Fallback>
+    <mc:Fallback xmlns="">
       <p:transition spd="slow">
         <p:fade/>
       </p:transition>
@@ -6875,10 +7160,10 @@
           </a:lstStyle>
           <a:p>
             <a:r>
-              <a:rPr lang="fr-FR" dirty="0"/>
+              <a:rPr lang="fr-FR" b="1" dirty="0"/>
               <a:t>1- Data Collection:</a:t>
             </a:r>
-            <a:endParaRPr lang="en-US" dirty="0"/>
+            <a:endParaRPr lang="en-US" b="1" dirty="0"/>
           </a:p>
         </p:txBody>
       </p:sp>
@@ -6918,7 +7203,32 @@
                   </a:schemeClr>
                 </a:solidFill>
               </a:rPr>
-              <a:t>The data were collected using a structured questionnaire distributed to Egypt university student, The questionnaire included the following sections:</a:t>
+              <a:t>The data were collected using a </a:t>
+            </a:r>
+            <a:r>
+              <a:rPr lang="en-US" sz="2400" dirty="0">
+                <a:solidFill>
+                  <a:schemeClr val="bg1"/>
+                </a:solidFill>
+                <a:hlinkClick r:id="rId3">
+                  <a:extLst>
+                    <a:ext uri="{A12FA001-AC4F-418D-AE19-62706E023703}">
+                      <ahyp:hlinkClr xmlns:ahyp="http://schemas.microsoft.com/office/drawing/2018/hyperlinkcolor" val="tx"/>
+                    </a:ext>
+                  </a:extLst>
+                </a:hlinkClick>
+              </a:rPr>
+              <a:t>structured questionnaire </a:t>
+            </a:r>
+            <a:r>
+              <a:rPr lang="en-US" sz="2400" dirty="0">
+                <a:solidFill>
+                  <a:schemeClr val="bg1">
+                    <a:lumMod val="85000"/>
+                  </a:schemeClr>
+                </a:solidFill>
+              </a:rPr>
+              <a:t>distributed to Egypt university student, The questionnaire included the following sections:</a:t>
             </a:r>
           </a:p>
         </p:txBody>
@@ -7069,13 +7379,13 @@
   <p:clrMapOvr>
     <a:masterClrMapping/>
   </p:clrMapOvr>
-  <mc:AlternateContent xmlns:mc="http://schemas.openxmlformats.org/markup-compatibility/2006">
-    <mc:Choice xmlns:p15="http://schemas.microsoft.com/office/powerpoint/2012/main" Requires="p15">
+  <mc:AlternateContent xmlns:mc="http://schemas.openxmlformats.org/markup-compatibility/2006" xmlns:p15="http://schemas.microsoft.com/office/powerpoint/2012/main">
+    <mc:Choice Requires="p15">
       <p:transition xmlns:p14="http://schemas.microsoft.com/office/powerpoint/2010/main" spd="slow" p14:dur="1250">
         <p15:prstTrans prst="pageCurlDouble"/>
       </p:transition>
     </mc:Choice>
-    <mc:Fallback>
+    <mc:Fallback xmlns="">
       <p:transition spd="slow">
         <p:fade/>
       </p:transition>
@@ -7241,10 +7551,10 @@
           </a:lstStyle>
           <a:p>
             <a:r>
-              <a:rPr lang="fr-FR" dirty="0"/>
+              <a:rPr lang="fr-FR" b="1" dirty="0"/>
               <a:t>2-  Data Preparation:</a:t>
             </a:r>
-            <a:endParaRPr lang="en-US" dirty="0"/>
+            <a:endParaRPr lang="en-US" b="1" dirty="0"/>
           </a:p>
         </p:txBody>
       </p:sp>
@@ -7262,8 +7572,8 @@
         </p:nvSpPr>
         <p:spPr>
           <a:xfrm>
-            <a:off x="3619917" y="1647463"/>
-            <a:ext cx="5732433" cy="707886"/>
+            <a:off x="3469233" y="1647311"/>
+            <a:ext cx="7984853" cy="707886"/>
           </a:xfrm>
           <a:prstGeom prst="rect">
             <a:avLst/>
@@ -7362,7 +7672,7 @@
         <p:spPr>
           <a:xfrm>
             <a:off x="383713" y="2928981"/>
-            <a:ext cx="7077947" cy="3046988"/>
+            <a:ext cx="7077947" cy="2677656"/>
           </a:xfrm>
           <a:prstGeom prst="rect">
             <a:avLst/>
@@ -7374,28 +7684,6 @@
             <a:spAutoFit/>
           </a:bodyPr>
           <a:lstStyle/>
-          <a:p>
-            <a:r>
-              <a:rPr lang="en-US" sz="2400" dirty="0">
-                <a:solidFill>
-                  <a:schemeClr val="bg1">
-                    <a:lumMod val="85000"/>
-                  </a:schemeClr>
-                </a:solidFill>
-              </a:rPr>
-              <a:t>(</a:t>
-            </a:r>
-            <a:r>
-              <a:rPr lang="en-US" sz="2400" i="1" dirty="0">
-                <a:solidFill>
-                  <a:schemeClr val="bg1">
-                    <a:lumMod val="75000"/>
-                  </a:schemeClr>
-                </a:solidFill>
-              </a:rPr>
-              <a:t>Tool: Power Query in Power Bi Language: M Query)</a:t>
-            </a:r>
-          </a:p>
           <a:p>
             <a:endParaRPr lang="en-US" sz="2400" dirty="0">
               <a:solidFill>
@@ -7493,7 +7781,7 @@
         </p:nvSpPr>
         <p:spPr>
           <a:xfrm>
-            <a:off x="8197377" y="2501613"/>
+            <a:off x="8345866" y="2472979"/>
             <a:ext cx="3258904" cy="461665"/>
           </a:xfrm>
           <a:prstGeom prst="rect">
@@ -7530,13 +7818,13 @@
   <p:clrMapOvr>
     <a:masterClrMapping/>
   </p:clrMapOvr>
-  <mc:AlternateContent xmlns:mc="http://schemas.openxmlformats.org/markup-compatibility/2006">
-    <mc:Choice xmlns:p15="http://schemas.microsoft.com/office/powerpoint/2012/main" Requires="p15">
+  <mc:AlternateContent xmlns:mc="http://schemas.openxmlformats.org/markup-compatibility/2006" xmlns:p15="http://schemas.microsoft.com/office/powerpoint/2012/main">
+    <mc:Choice Requires="p15">
       <p:transition xmlns:p14="http://schemas.microsoft.com/office/powerpoint/2010/main" spd="slow" p14:dur="1250">
         <p15:prstTrans prst="pageCurlDouble"/>
       </p:transition>
     </mc:Choice>
-    <mc:Fallback>
+    <mc:Fallback xmlns="">
       <p:transition spd="slow">
         <p:fade/>
       </p:transition>
@@ -8005,13 +8293,13 @@
   <p:clrMapOvr>
     <a:masterClrMapping/>
   </p:clrMapOvr>
-  <mc:AlternateContent xmlns:mc="http://schemas.openxmlformats.org/markup-compatibility/2006">
-    <mc:Choice xmlns:p15="http://schemas.microsoft.com/office/powerpoint/2012/main" Requires="p15">
+  <mc:AlternateContent xmlns:mc="http://schemas.openxmlformats.org/markup-compatibility/2006" xmlns:p15="http://schemas.microsoft.com/office/powerpoint/2012/main">
+    <mc:Choice Requires="p15">
       <p:transition xmlns:p14="http://schemas.microsoft.com/office/powerpoint/2010/main" spd="slow" p14:dur="1250">
         <p15:prstTrans prst="pageCurlDouble"/>
       </p:transition>
     </mc:Choice>
-    <mc:Fallback>
+    <mc:Fallback xmlns="">
       <p:transition spd="slow">
         <p:fade/>
       </p:transition>
@@ -8505,13 +8793,13 @@
   <p:clrMapOvr>
     <a:masterClrMapping/>
   </p:clrMapOvr>
-  <mc:AlternateContent xmlns:mc="http://schemas.openxmlformats.org/markup-compatibility/2006">
-    <mc:Choice xmlns:p15="http://schemas.microsoft.com/office/powerpoint/2012/main" Requires="p15">
+  <mc:AlternateContent xmlns:mc="http://schemas.openxmlformats.org/markup-compatibility/2006" xmlns:p15="http://schemas.microsoft.com/office/powerpoint/2012/main">
+    <mc:Choice Requires="p15">
       <p:transition xmlns:p14="http://schemas.microsoft.com/office/powerpoint/2010/main" spd="slow" p14:dur="1250">
         <p15:prstTrans prst="pageCurlDouble"/>
       </p:transition>
     </mc:Choice>
-    <mc:Fallback>
+    <mc:Fallback xmlns="">
       <p:transition spd="slow">
         <p:fade/>
       </p:transition>
@@ -8525,7 +8813,13 @@
   <p:cSld>
     <p:spTree>
       <p:nvGrpSpPr>
-        <p:cNvPr id="1" name=""/>
+        <p:cNvPr id="1" name="">
+          <a:extLst>
+            <a:ext uri="{FF2B5EF4-FFF2-40B4-BE49-F238E27FC236}">
+              <a16:creationId xmlns:a16="http://schemas.microsoft.com/office/drawing/2014/main" id="{81CE6957-B609-F010-4F48-AC4DDAA99518}"/>
+            </a:ext>
+          </a:extLst>
+        </p:cNvPr>
         <p:cNvGrpSpPr/>
         <p:nvPr/>
       </p:nvGrpSpPr>
@@ -8542,7 +8836,7 @@
           <p:cNvPr id="3" name="Picture 2">
             <a:extLst>
               <a:ext uri="{FF2B5EF4-FFF2-40B4-BE49-F238E27FC236}">
-                <a16:creationId xmlns:a16="http://schemas.microsoft.com/office/drawing/2014/main" id="{52C57CA1-5C2C-4B06-81E0-4F087296F58D}"/>
+                <a16:creationId xmlns:a16="http://schemas.microsoft.com/office/drawing/2014/main" id="{EEECC3EC-1B36-65EB-7D2A-9EAD515254AA}"/>
               </a:ext>
             </a:extLst>
           </p:cNvPr>
@@ -8577,7 +8871,7 @@
           <p:cNvPr id="4" name="TextBox 3">
             <a:extLst>
               <a:ext uri="{FF2B5EF4-FFF2-40B4-BE49-F238E27FC236}">
-                <a16:creationId xmlns:a16="http://schemas.microsoft.com/office/drawing/2014/main" id="{56B7C459-99D6-4E36-A094-BDBE56678AA9}"/>
+                <a16:creationId xmlns:a16="http://schemas.microsoft.com/office/drawing/2014/main" id="{E664F31F-A68F-6272-1E46-9837B349B57F}"/>
               </a:ext>
             </a:extLst>
           </p:cNvPr>
@@ -8606,7 +8900,7 @@
                   <a:srgbClr val="7FA2DA"/>
                 </a:solidFill>
               </a:rPr>
-              <a:t>6. Methodology - Data Preparation - Score calculation - I</a:t>
+              <a:t>6. Methodology - Data Preparation - Data coding</a:t>
             </a:r>
           </a:p>
         </p:txBody>
@@ -8616,7 +8910,7 @@
           <p:cNvPr id="7" name="TextBox 6">
             <a:extLst>
               <a:ext uri="{FF2B5EF4-FFF2-40B4-BE49-F238E27FC236}">
-                <a16:creationId xmlns:a16="http://schemas.microsoft.com/office/drawing/2014/main" id="{AB61819A-609D-46F8-A5A0-5CC73C743926}"/>
+                <a16:creationId xmlns:a16="http://schemas.microsoft.com/office/drawing/2014/main" id="{B6D6EAA7-C1DF-2087-FB5D-76EA4ADA554B}"/>
               </a:ext>
             </a:extLst>
           </p:cNvPr>
@@ -8689,7 +8983,7 @@
           <p:cNvPr id="10" name="Picture 9">
             <a:extLst>
               <a:ext uri="{FF2B5EF4-FFF2-40B4-BE49-F238E27FC236}">
-                <a16:creationId xmlns:a16="http://schemas.microsoft.com/office/drawing/2014/main" id="{F9B15B0D-84FB-4510-947E-18BBAC998AB1}"/>
+                <a16:creationId xmlns:a16="http://schemas.microsoft.com/office/drawing/2014/main" id="{B70B12D6-DF6C-3AC7-1C23-FDF3462DB208}"/>
               </a:ext>
             </a:extLst>
           </p:cNvPr>
@@ -8704,7 +8998,7 @@
               </a:ext>
             </a:extLst>
           </a:blip>
-          <a:srcRect l="17037" r="17037"/>
+          <a:srcRect l="13885" r="13885"/>
           <a:stretch/>
         </p:blipFill>
         <p:spPr>
@@ -8746,7 +9040,7 @@
           <p:cNvPr id="13" name="TextBox 12">
             <a:extLst>
               <a:ext uri="{FF2B5EF4-FFF2-40B4-BE49-F238E27FC236}">
-                <a16:creationId xmlns:a16="http://schemas.microsoft.com/office/drawing/2014/main" id="{3B54F22A-253D-4064-812B-94821680EB1E}"/>
+                <a16:creationId xmlns:a16="http://schemas.microsoft.com/office/drawing/2014/main" id="{1799215F-E055-527B-198E-69CDE2E25BE2}"/>
               </a:ext>
             </a:extLst>
           </p:cNvPr>
@@ -8755,7 +9049,7 @@
         </p:nvSpPr>
         <p:spPr>
           <a:xfrm>
-            <a:off x="444616" y="2467752"/>
+            <a:off x="347240" y="2571585"/>
             <a:ext cx="7512600" cy="3231654"/>
           </a:xfrm>
           <a:prstGeom prst="rect">
@@ -8810,14 +9104,14 @@
           </a:p>
           <a:p>
             <a:r>
-              <a:rPr lang="en-US" sz="2200" b="1" dirty="0">
+              <a:rPr lang="en-US" sz="2200" dirty="0">
                 <a:solidFill>
                   <a:schemeClr val="bg1">
                     <a:lumMod val="85000"/>
                   </a:schemeClr>
                 </a:solidFill>
               </a:rPr>
-              <a:t>Calculate PHQ9, Interpretation of results Expression Comfort.</a:t>
+              <a:t>• Replace Arabic Values with English Equivalents: Standardize data for further analysis.</a:t>
             </a:r>
           </a:p>
           <a:p>
@@ -8829,7 +9123,7 @@
                   </a:schemeClr>
                 </a:solidFill>
               </a:rPr>
-              <a:t>To classify participants’ overall comfort level, the following system was applied:</a:t>
+              <a:t>• Replace Text with Numeric Values: Convert textual categories into numerical values to facilitate statistical analysis.</a:t>
             </a:r>
           </a:p>
           <a:p>
@@ -8841,31 +9135,7 @@
                   </a:schemeClr>
                 </a:solidFill>
               </a:rPr>
-              <a:t>•  Scores ≥ 3: Very Comfortable</a:t>
-            </a:r>
-          </a:p>
-          <a:p>
-            <a:r>
-              <a:rPr lang="en-US" sz="2200" dirty="0">
-                <a:solidFill>
-                  <a:schemeClr val="bg1">
-                    <a:lumMod val="85000"/>
-                  </a:schemeClr>
-                </a:solidFill>
-              </a:rPr>
-              <a:t>•  Scores between 0 and 2: Neutral</a:t>
-            </a:r>
-          </a:p>
-          <a:p>
-            <a:r>
-              <a:rPr lang="en-US" sz="2200" dirty="0">
-                <a:solidFill>
-                  <a:schemeClr val="bg1">
-                    <a:lumMod val="85000"/>
-                  </a:schemeClr>
-                </a:solidFill>
-              </a:rPr>
-              <a:t>•  Scores below 0: Uncomfortable</a:t>
+              <a:t>• Transform Column Types: Ensure the columns are treated as text before applying transformations.</a:t>
             </a:r>
           </a:p>
         </p:txBody>
@@ -8875,7 +9145,7 @@
           <p:cNvPr id="14" name="TextBox 13">
             <a:extLst>
               <a:ext uri="{FF2B5EF4-FFF2-40B4-BE49-F238E27FC236}">
-                <a16:creationId xmlns:a16="http://schemas.microsoft.com/office/drawing/2014/main" id="{1085563C-D0E9-4147-9D5A-1A71010E870C}"/>
+                <a16:creationId xmlns:a16="http://schemas.microsoft.com/office/drawing/2014/main" id="{4CF716E7-F9C6-E67F-2537-90E4496F0409}"/>
               </a:ext>
             </a:extLst>
           </p:cNvPr>
@@ -8904,7 +9174,7 @@
                   <a:srgbClr val="7FA2DA"/>
                 </a:solidFill>
               </a:rPr>
-              <a:t>21</a:t>
+              <a:t>20</a:t>
             </a:r>
           </a:p>
         </p:txBody>
@@ -8914,7 +9184,7 @@
           <p:cNvPr id="23" name="TextBox 22">
             <a:extLst>
               <a:ext uri="{FF2B5EF4-FFF2-40B4-BE49-F238E27FC236}">
-                <a16:creationId xmlns:a16="http://schemas.microsoft.com/office/drawing/2014/main" id="{28D5B536-1CA5-4770-B39C-9B6ECDDA389F}"/>
+                <a16:creationId xmlns:a16="http://schemas.microsoft.com/office/drawing/2014/main" id="{7B0F485D-F3CE-39B7-F852-018B75994F00}"/>
               </a:ext>
             </a:extLst>
           </p:cNvPr>
@@ -8924,7 +9194,7 @@
         <p:spPr>
           <a:xfrm>
             <a:off x="8978778" y="2571585"/>
-            <a:ext cx="2823043" cy="461665"/>
+            <a:ext cx="2407373" cy="461665"/>
           </a:xfrm>
           <a:prstGeom prst="rect">
             <a:avLst/>
@@ -8945,7 +9215,7 @@
                   </a:schemeClr>
                 </a:solidFill>
               </a:rPr>
-              <a:t>4- Score calculation:  </a:t>
+              <a:t>3-  Data coding :</a:t>
             </a:r>
           </a:p>
         </p:txBody>
@@ -8953,20 +9223,20 @@
     </p:spTree>
     <p:extLst>
       <p:ext uri="{BB962C8B-B14F-4D97-AF65-F5344CB8AC3E}">
-        <p14:creationId xmlns:p14="http://schemas.microsoft.com/office/powerpoint/2010/main" val="2195972145"/>
+        <p14:creationId xmlns:p14="http://schemas.microsoft.com/office/powerpoint/2010/main" val="2604303322"/>
       </p:ext>
     </p:extLst>
   </p:cSld>
   <p:clrMapOvr>
     <a:masterClrMapping/>
   </p:clrMapOvr>
-  <mc:AlternateContent xmlns:mc="http://schemas.openxmlformats.org/markup-compatibility/2006">
-    <mc:Choice xmlns:p15="http://schemas.microsoft.com/office/powerpoint/2012/main" Requires="p15">
+  <mc:AlternateContent xmlns:mc="http://schemas.openxmlformats.org/markup-compatibility/2006" xmlns:p15="http://schemas.microsoft.com/office/powerpoint/2012/main">
+    <mc:Choice Requires="p15">
       <p:transition xmlns:p14="http://schemas.microsoft.com/office/powerpoint/2010/main" spd="slow" p14:dur="1250">
         <p15:prstTrans prst="pageCurlDouble"/>
       </p:transition>
     </mc:Choice>
-    <mc:Fallback>
+    <mc:Fallback xmlns="">
       <p:transition spd="slow">
         <p:fade/>
       </p:transition>
@@ -9061,7 +9331,7 @@
                   <a:srgbClr val="7FA2DA"/>
                 </a:solidFill>
               </a:rPr>
-              <a:t>6. Methodology - Data Preparation - Score calculation - II</a:t>
+              <a:t>6. Methodology - Data Preparation - Data coding</a:t>
             </a:r>
           </a:p>
         </p:txBody>
@@ -9139,69 +9409,12 @@
           </a:p>
         </p:txBody>
       </p:sp>
-      <p:pic>
-        <p:nvPicPr>
-          <p:cNvPr id="10" name="Picture 9">
-            <a:extLst>
-              <a:ext uri="{FF2B5EF4-FFF2-40B4-BE49-F238E27FC236}">
-                <a16:creationId xmlns:a16="http://schemas.microsoft.com/office/drawing/2014/main" id="{F9B15B0D-84FB-4510-947E-18BBAC998AB1}"/>
-              </a:ext>
-            </a:extLst>
-          </p:cNvPr>
-          <p:cNvPicPr/>
-          <p:nvPr/>
-        </p:nvPicPr>
-        <p:blipFill>
-          <a:blip r:embed="rId3">
-            <a:extLst>
-              <a:ext uri="{28A0092B-C50C-407E-A947-70E740481C1C}">
-                <a14:useLocalDpi xmlns:a14="http://schemas.microsoft.com/office/drawing/2010/main" val="0"/>
-              </a:ext>
-            </a:extLst>
-          </a:blip>
-          <a:srcRect l="13175" r="13175"/>
-          <a:stretch/>
-        </p:blipFill>
-        <p:spPr>
-          <a:xfrm>
-            <a:off x="7807529" y="2898672"/>
-            <a:ext cx="4038600" cy="2800734"/>
-          </a:xfrm>
-          <a:prstGeom prst="roundRect">
-            <a:avLst>
-              <a:gd name="adj" fmla="val 12926"/>
-            </a:avLst>
-          </a:prstGeom>
-          <a:ln>
-            <a:noFill/>
-          </a:ln>
-          <a:effectLst>
-            <a:outerShdw blurRad="152400" dist="12000" dir="900000" sy="98000" kx="110000" ky="200000" algn="tl" rotWithShape="0">
-              <a:srgbClr val="000000">
-                <a:alpha val="30000"/>
-              </a:srgbClr>
-            </a:outerShdw>
-          </a:effectLst>
-          <a:scene3d>
-            <a:camera prst="perspectiveRelaxed">
-              <a:rot lat="19800000" lon="1200000" rev="20820000"/>
-            </a:camera>
-            <a:lightRig rig="threePt" dir="t"/>
-          </a:scene3d>
-          <a:sp3d contourW="6350" prstMaterial="matte">
-            <a:bevelT w="101600" h="101600"/>
-            <a:contourClr>
-              <a:srgbClr val="969696"/>
-            </a:contourClr>
-          </a:sp3d>
-        </p:spPr>
-      </p:pic>
-      <p:sp>
-        <p:nvSpPr>
-          <p:cNvPr id="13" name="TextBox 12">
-            <a:extLst>
-              <a:ext uri="{FF2B5EF4-FFF2-40B4-BE49-F238E27FC236}">
-                <a16:creationId xmlns:a16="http://schemas.microsoft.com/office/drawing/2014/main" id="{3B54F22A-253D-4064-812B-94821680EB1E}"/>
+      <p:sp>
+        <p:nvSpPr>
+          <p:cNvPr id="14" name="TextBox 13">
+            <a:extLst>
+              <a:ext uri="{FF2B5EF4-FFF2-40B4-BE49-F238E27FC236}">
+                <a16:creationId xmlns:a16="http://schemas.microsoft.com/office/drawing/2014/main" id="{1085563C-D0E9-4147-9D5A-1A71010E870C}"/>
               </a:ext>
             </a:extLst>
           </p:cNvPr>
@@ -9210,8 +9423,8 @@
         </p:nvSpPr>
         <p:spPr>
           <a:xfrm>
-            <a:off x="390179" y="2334402"/>
-            <a:ext cx="7512600" cy="3570208"/>
+            <a:off x="11167533" y="6392412"/>
+            <a:ext cx="437237" cy="369332"/>
           </a:xfrm>
           <a:prstGeom prst="rect">
             <a:avLst/>
@@ -9224,77 +9437,95 @@
           </a:bodyPr>
           <a:lstStyle/>
           <a:p>
-            <a:endParaRPr lang="en-US" sz="2400" dirty="0">
-              <a:solidFill>
-                <a:schemeClr val="bg1">
-                  <a:lumMod val="85000"/>
-                </a:schemeClr>
-              </a:solidFill>
-            </a:endParaRPr>
-          </a:p>
-          <a:p>
-            <a:r>
-              <a:rPr lang="en-US" sz="2400" dirty="0">
-                <a:solidFill>
-                  <a:schemeClr val="bg1">
-                    <a:lumMod val="85000"/>
-                  </a:schemeClr>
-                </a:solidFill>
-              </a:rPr>
-              <a:t> (</a:t>
-            </a:r>
-            <a:r>
-              <a:rPr lang="en-US" sz="2400" i="1" dirty="0">
-                <a:solidFill>
-                  <a:schemeClr val="bg1">
-                    <a:lumMod val="75000"/>
-                  </a:schemeClr>
-                </a:solidFill>
-              </a:rPr>
-              <a:t>Tool: Power Query in Power Bi Language: M Query) </a:t>
-            </a:r>
-          </a:p>
-          <a:p>
-            <a:endParaRPr lang="en-US" sz="2400" i="1" dirty="0">
-              <a:solidFill>
-                <a:schemeClr val="bg1">
-                  <a:lumMod val="75000"/>
-                </a:schemeClr>
-              </a:solidFill>
-            </a:endParaRPr>
-          </a:p>
-          <a:p>
-            <a:r>
-              <a:rPr lang="en-US" sz="2200" b="1" dirty="0">
-                <a:solidFill>
-                  <a:schemeClr val="bg1">
-                    <a:lumMod val="85000"/>
-                  </a:schemeClr>
-                </a:solidFill>
-              </a:rPr>
-              <a:t>Stress Level:</a:t>
-            </a:r>
-          </a:p>
-          <a:p>
-            <a:r>
-              <a:rPr lang="en-US" sz="2200" dirty="0">
-                <a:solidFill>
-                  <a:schemeClr val="bg1">
-                    <a:lumMod val="85000"/>
-                  </a:schemeClr>
-                </a:solidFill>
-              </a:rPr>
-              <a:t>To categorize the participants' stress levels based on their total scores in the questionnaire, a simple classification method was used. If a participant scored 10 or above, they were classified as experiencing high stress. Scores between 5 and 9 indicated moderate stress, while scores below 5 were considered to reflect low stress.</a:t>
-            </a:r>
-          </a:p>
-        </p:txBody>
-      </p:sp>
-      <p:sp>
-        <p:nvSpPr>
-          <p:cNvPr id="14" name="TextBox 13">
-            <a:extLst>
-              <a:ext uri="{FF2B5EF4-FFF2-40B4-BE49-F238E27FC236}">
-                <a16:creationId xmlns:a16="http://schemas.microsoft.com/office/drawing/2014/main" id="{1085563C-D0E9-4147-9D5A-1A71010E870C}"/>
+            <a:r>
+              <a:rPr lang="en-US" dirty="0">
+                <a:solidFill>
+                  <a:srgbClr val="7FA2DA"/>
+                </a:solidFill>
+              </a:rPr>
+              <a:t>21</a:t>
+            </a:r>
+          </a:p>
+        </p:txBody>
+      </p:sp>
+      <p:pic>
+        <p:nvPicPr>
+          <p:cNvPr id="2" name="Picture 1" descr="A screenshot of a computer&#10;&#10;AI-generated content may be incorrect.">
+            <a:extLst>
+              <a:ext uri="{FF2B5EF4-FFF2-40B4-BE49-F238E27FC236}">
+                <a16:creationId xmlns:a16="http://schemas.microsoft.com/office/drawing/2014/main" id="{3EA41746-3538-3482-79F7-7103347B62C1}"/>
+              </a:ext>
+            </a:extLst>
+          </p:cNvPr>
+          <p:cNvPicPr>
+            <a:picLocks noChangeAspect="1"/>
+          </p:cNvPicPr>
+          <p:nvPr/>
+        </p:nvPicPr>
+        <p:blipFill>
+          <a:blip r:embed="rId3" cstate="print">
+            <a:extLst>
+              <a:ext uri="{28A0092B-C50C-407E-A947-70E740481C1C}">
+                <a14:useLocalDpi xmlns:a14="http://schemas.microsoft.com/office/drawing/2010/main" val="0"/>
+              </a:ext>
+            </a:extLst>
+          </a:blip>
+          <a:stretch>
+            <a:fillRect/>
+          </a:stretch>
+        </p:blipFill>
+        <p:spPr>
+          <a:xfrm>
+            <a:off x="734695" y="2748574"/>
+            <a:ext cx="5513932" cy="2827020"/>
+          </a:xfrm>
+          <a:prstGeom prst="rect">
+            <a:avLst/>
+          </a:prstGeom>
+        </p:spPr>
+      </p:pic>
+      <p:pic>
+        <p:nvPicPr>
+          <p:cNvPr id="5" name="Picture 4" descr="A screenshot of a computer&#10;&#10;AI-generated content may be incorrect.">
+            <a:extLst>
+              <a:ext uri="{FF2B5EF4-FFF2-40B4-BE49-F238E27FC236}">
+                <a16:creationId xmlns:a16="http://schemas.microsoft.com/office/drawing/2014/main" id="{5033C695-FFBA-13A6-6334-C4CF92C0AB7E}"/>
+              </a:ext>
+            </a:extLst>
+          </p:cNvPr>
+          <p:cNvPicPr>
+            <a:picLocks noChangeAspect="1"/>
+          </p:cNvPicPr>
+          <p:nvPr/>
+        </p:nvPicPr>
+        <p:blipFill>
+          <a:blip r:embed="rId4" cstate="print">
+            <a:extLst>
+              <a:ext uri="{28A0092B-C50C-407E-A947-70E740481C1C}">
+                <a14:useLocalDpi xmlns:a14="http://schemas.microsoft.com/office/drawing/2010/main" val="0"/>
+              </a:ext>
+            </a:extLst>
+          </a:blip>
+          <a:stretch>
+            <a:fillRect/>
+          </a:stretch>
+        </p:blipFill>
+        <p:spPr>
+          <a:xfrm>
+            <a:off x="6334760" y="2748575"/>
+            <a:ext cx="5453504" cy="2827019"/>
+          </a:xfrm>
+          <a:prstGeom prst="rect">
+            <a:avLst/>
+          </a:prstGeom>
+        </p:spPr>
+      </p:pic>
+      <p:sp>
+        <p:nvSpPr>
+          <p:cNvPr id="6" name="TextBox 5">
+            <a:extLst>
+              <a:ext uri="{FF2B5EF4-FFF2-40B4-BE49-F238E27FC236}">
+                <a16:creationId xmlns:a16="http://schemas.microsoft.com/office/drawing/2014/main" id="{D0CACCA6-DD9F-9201-D401-3C20122804C1}"/>
               </a:ext>
             </a:extLst>
           </p:cNvPr>
@@ -9303,8 +9534,8 @@
         </p:nvSpPr>
         <p:spPr>
           <a:xfrm>
-            <a:off x="11167533" y="6392412"/>
-            <a:ext cx="437237" cy="369332"/>
+            <a:off x="4114800" y="1967327"/>
+            <a:ext cx="5191760" cy="584775"/>
           </a:xfrm>
           <a:prstGeom prst="rect">
             <a:avLst/>
@@ -9318,53 +9549,14 @@
           <a:lstStyle/>
           <a:p>
             <a:r>
-              <a:rPr lang="en-US" dirty="0">
-                <a:solidFill>
-                  <a:srgbClr val="7FA2DA"/>
-                </a:solidFill>
-              </a:rPr>
-              <a:t>22</a:t>
-            </a:r>
-          </a:p>
-        </p:txBody>
-      </p:sp>
-      <p:sp>
-        <p:nvSpPr>
-          <p:cNvPr id="23" name="TextBox 22">
-            <a:extLst>
-              <a:ext uri="{FF2B5EF4-FFF2-40B4-BE49-F238E27FC236}">
-                <a16:creationId xmlns:a16="http://schemas.microsoft.com/office/drawing/2014/main" id="{28D5B536-1CA5-4770-B39C-9B6ECDDA389F}"/>
-              </a:ext>
-            </a:extLst>
-          </p:cNvPr>
-          <p:cNvSpPr txBox="1"/>
-          <p:nvPr/>
-        </p:nvSpPr>
-        <p:spPr>
-          <a:xfrm>
-            <a:off x="8978778" y="2571585"/>
-            <a:ext cx="2823043" cy="461665"/>
-          </a:xfrm>
-          <a:prstGeom prst="rect">
-            <a:avLst/>
-          </a:prstGeom>
-          <a:noFill/>
-        </p:spPr>
-        <p:txBody>
-          <a:bodyPr wrap="square" rtlCol="0">
-            <a:spAutoFit/>
-          </a:bodyPr>
-          <a:lstStyle/>
-          <a:p>
-            <a:r>
-              <a:rPr lang="en-US" sz="2400" b="1" dirty="0">
+              <a:rPr lang="en-US" sz="3200" b="1" dirty="0">
                 <a:solidFill>
                   <a:schemeClr val="bg1">
                     <a:lumMod val="85000"/>
                   </a:schemeClr>
                 </a:solidFill>
               </a:rPr>
-              <a:t>4- Score calculation:  </a:t>
+              <a:t>Before        vs.         After</a:t>
             </a:r>
           </a:p>
         </p:txBody>
@@ -9372,20 +9564,20 @@
     </p:spTree>
     <p:extLst>
       <p:ext uri="{BB962C8B-B14F-4D97-AF65-F5344CB8AC3E}">
-        <p14:creationId xmlns:p14="http://schemas.microsoft.com/office/powerpoint/2010/main" val="1915201763"/>
+        <p14:creationId xmlns:p14="http://schemas.microsoft.com/office/powerpoint/2010/main" val="2195972145"/>
       </p:ext>
     </p:extLst>
   </p:cSld>
   <p:clrMapOvr>
     <a:masterClrMapping/>
   </p:clrMapOvr>
-  <mc:AlternateContent xmlns:mc="http://schemas.openxmlformats.org/markup-compatibility/2006">
-    <mc:Choice xmlns:p15="http://schemas.microsoft.com/office/powerpoint/2012/main" Requires="p15">
+  <mc:AlternateContent xmlns:mc="http://schemas.openxmlformats.org/markup-compatibility/2006" xmlns:p15="http://schemas.microsoft.com/office/powerpoint/2012/main">
+    <mc:Choice Requires="p15">
       <p:transition xmlns:p14="http://schemas.microsoft.com/office/powerpoint/2010/main" spd="slow" p14:dur="1250">
         <p15:prstTrans prst="pageCurlDouble"/>
       </p:transition>
     </mc:Choice>
-    <mc:Fallback>
+    <mc:Fallback xmlns="">
       <p:transition spd="slow">
         <p:fade/>
       </p:transition>
@@ -9480,7 +9672,7 @@
                   <a:srgbClr val="7FA2DA"/>
                 </a:solidFill>
               </a:rPr>
-              <a:t>6. Methodology - Data Preparation - Data Analysis&amp; AI model</a:t>
+              <a:t>6. Methodology - Data Preparation - Score calculation - I</a:t>
             </a:r>
           </a:p>
         </p:txBody>
@@ -9572,8 +9764,8 @@
         </p:nvSpPr>
         <p:spPr>
           <a:xfrm>
-            <a:off x="444616" y="2115516"/>
-            <a:ext cx="7512600" cy="3908762"/>
+            <a:off x="444616" y="2032975"/>
+            <a:ext cx="7512600" cy="1631216"/>
           </a:xfrm>
           <a:prstGeom prst="rect">
             <a:avLst/>
@@ -9613,7 +9805,7 @@
                   </a:schemeClr>
                 </a:solidFill>
               </a:rPr>
-              <a:t>Tool: VS Code: Jupyter Notebook: Python) </a:t>
+              <a:t>Tool: Power Query in Power Bi Language: M Query) </a:t>
             </a:r>
           </a:p>
           <a:p>
@@ -9627,127 +9819,26 @@
           </a:p>
           <a:p>
             <a:r>
-              <a:rPr lang="en-US" sz="2200" b="1" dirty="0">
+              <a:rPr lang="en-US" sz="2800" b="1" dirty="0">
                 <a:solidFill>
                   <a:schemeClr val="bg1">
                     <a:lumMod val="85000"/>
                   </a:schemeClr>
                 </a:solidFill>
               </a:rPr>
-              <a:t>EDA &amp; Machine Learning:</a:t>
-            </a:r>
-          </a:p>
-          <a:p>
-            <a:r>
-              <a:rPr lang="en-US" sz="2200" dirty="0">
+              <a:t>Calculate </a:t>
+            </a:r>
+            <a:r>
+              <a:rPr lang="en-US" sz="2800" b="1" dirty="0" err="1">
                 <a:solidFill>
                   <a:schemeClr val="bg1">
                     <a:lumMod val="85000"/>
                   </a:schemeClr>
                 </a:solidFill>
               </a:rPr>
-              <a:t>The primary objective is to develop a multi-class classification model to predict PHQ-9 depression severity levels using features such as (age), (gender),... The process includes data exploration, preprocessing, and model evaluation to determine the best-performing model.</a:t>
-            </a:r>
-            <a:br>
-              <a:rPr lang="en-US" sz="2200" dirty="0">
-                <a:solidFill>
-                  <a:schemeClr val="bg1">
-                    <a:lumMod val="85000"/>
-                  </a:schemeClr>
-                </a:solidFill>
-              </a:rPr>
-            </a:br>
-            <a:r>
-              <a:rPr lang="en-US" sz="2200" dirty="0">
-                <a:solidFill>
-                  <a:schemeClr val="bg1">
-                    <a:lumMod val="85000"/>
-                  </a:schemeClr>
-                </a:solidFill>
-              </a:rPr>
-              <a:t>This predictive tool will support university mental health systems by identifying students requiring intervention.</a:t>
-            </a:r>
-          </a:p>
-        </p:txBody>
-      </p:sp>
-      <p:sp>
-        <p:nvSpPr>
-          <p:cNvPr id="14" name="TextBox 13">
-            <a:extLst>
-              <a:ext uri="{FF2B5EF4-FFF2-40B4-BE49-F238E27FC236}">
-                <a16:creationId xmlns:a16="http://schemas.microsoft.com/office/drawing/2014/main" id="{1085563C-D0E9-4147-9D5A-1A71010E870C}"/>
-              </a:ext>
-            </a:extLst>
-          </p:cNvPr>
-          <p:cNvSpPr txBox="1"/>
-          <p:nvPr/>
-        </p:nvSpPr>
-        <p:spPr>
-          <a:xfrm>
-            <a:off x="11167533" y="6392412"/>
-            <a:ext cx="437237" cy="369332"/>
-          </a:xfrm>
-          <a:prstGeom prst="rect">
-            <a:avLst/>
-          </a:prstGeom>
-          <a:noFill/>
-        </p:spPr>
-        <p:txBody>
-          <a:bodyPr wrap="square" rtlCol="0">
-            <a:spAutoFit/>
-          </a:bodyPr>
-          <a:lstStyle/>
-          <a:p>
-            <a:r>
-              <a:rPr lang="en-US" dirty="0">
-                <a:solidFill>
-                  <a:srgbClr val="7FA2DA"/>
-                </a:solidFill>
-              </a:rPr>
-              <a:t>23</a:t>
-            </a:r>
-          </a:p>
-        </p:txBody>
-      </p:sp>
-      <p:sp>
-        <p:nvSpPr>
-          <p:cNvPr id="23" name="TextBox 22">
-            <a:extLst>
-              <a:ext uri="{FF2B5EF4-FFF2-40B4-BE49-F238E27FC236}">
-                <a16:creationId xmlns:a16="http://schemas.microsoft.com/office/drawing/2014/main" id="{28D5B536-1CA5-4770-B39C-9B6ECDDA389F}"/>
-              </a:ext>
-            </a:extLst>
-          </p:cNvPr>
-          <p:cNvSpPr txBox="1"/>
-          <p:nvPr/>
-        </p:nvSpPr>
-        <p:spPr>
-          <a:xfrm>
-            <a:off x="8086726" y="2571585"/>
-            <a:ext cx="3715096" cy="461665"/>
-          </a:xfrm>
-          <a:prstGeom prst="rect">
-            <a:avLst/>
-          </a:prstGeom>
-          <a:noFill/>
-        </p:spPr>
-        <p:txBody>
-          <a:bodyPr wrap="square" rtlCol="0">
-            <a:spAutoFit/>
-          </a:bodyPr>
-          <a:lstStyle/>
-          <a:p>
-            <a:r>
-              <a:rPr lang="it-IT" sz="2400" b="1" dirty="0">
-                <a:solidFill>
-                  <a:schemeClr val="bg1">
-                    <a:lumMod val="85000"/>
-                  </a:schemeClr>
-                </a:solidFill>
-              </a:rPr>
-              <a:t>5- Data Analysis&amp; AI model</a:t>
-            </a:r>
-            <a:endParaRPr lang="en-US" sz="2400" b="1" dirty="0">
+              <a:t>PHQ9</a:t>
+            </a:r>
+            <a:endParaRPr lang="en-US" sz="2800" dirty="0">
               <a:solidFill>
                 <a:schemeClr val="bg1">
                   <a:lumMod val="85000"/>
@@ -9757,80 +9848,152 @@
           </a:p>
         </p:txBody>
       </p:sp>
+      <p:sp>
+        <p:nvSpPr>
+          <p:cNvPr id="14" name="TextBox 13">
+            <a:extLst>
+              <a:ext uri="{FF2B5EF4-FFF2-40B4-BE49-F238E27FC236}">
+                <a16:creationId xmlns:a16="http://schemas.microsoft.com/office/drawing/2014/main" id="{1085563C-D0E9-4147-9D5A-1A71010E870C}"/>
+              </a:ext>
+            </a:extLst>
+          </p:cNvPr>
+          <p:cNvSpPr txBox="1"/>
+          <p:nvPr/>
+        </p:nvSpPr>
+        <p:spPr>
+          <a:xfrm>
+            <a:off x="11167533" y="6392412"/>
+            <a:ext cx="437237" cy="369332"/>
+          </a:xfrm>
+          <a:prstGeom prst="rect">
+            <a:avLst/>
+          </a:prstGeom>
+          <a:noFill/>
+        </p:spPr>
+        <p:txBody>
+          <a:bodyPr wrap="square" rtlCol="0">
+            <a:spAutoFit/>
+          </a:bodyPr>
+          <a:lstStyle/>
+          <a:p>
+            <a:r>
+              <a:rPr lang="en-US" dirty="0">
+                <a:solidFill>
+                  <a:srgbClr val="7FA2DA"/>
+                </a:solidFill>
+              </a:rPr>
+              <a:t>21</a:t>
+            </a:r>
+          </a:p>
+        </p:txBody>
+      </p:sp>
+      <p:sp>
+        <p:nvSpPr>
+          <p:cNvPr id="23" name="TextBox 22">
+            <a:extLst>
+              <a:ext uri="{FF2B5EF4-FFF2-40B4-BE49-F238E27FC236}">
+                <a16:creationId xmlns:a16="http://schemas.microsoft.com/office/drawing/2014/main" id="{28D5B536-1CA5-4770-B39C-9B6ECDDA389F}"/>
+              </a:ext>
+            </a:extLst>
+          </p:cNvPr>
+          <p:cNvSpPr txBox="1"/>
+          <p:nvPr/>
+        </p:nvSpPr>
+        <p:spPr>
+          <a:xfrm>
+            <a:off x="8978778" y="2571585"/>
+            <a:ext cx="2823043" cy="461665"/>
+          </a:xfrm>
+          <a:prstGeom prst="rect">
+            <a:avLst/>
+          </a:prstGeom>
+          <a:noFill/>
+        </p:spPr>
+        <p:txBody>
+          <a:bodyPr wrap="square" rtlCol="0">
+            <a:spAutoFit/>
+          </a:bodyPr>
+          <a:lstStyle/>
+          <a:p>
+            <a:r>
+              <a:rPr lang="en-US" sz="2400" b="1" dirty="0">
+                <a:solidFill>
+                  <a:schemeClr val="bg1">
+                    <a:lumMod val="85000"/>
+                  </a:schemeClr>
+                </a:solidFill>
+              </a:rPr>
+              <a:t>4- Score calculation:  </a:t>
+            </a:r>
+          </a:p>
+        </p:txBody>
+      </p:sp>
       <p:pic>
         <p:nvPicPr>
-          <p:cNvPr id="9" name="Picture 8">
-            <a:extLst>
-              <a:ext uri="{FF2B5EF4-FFF2-40B4-BE49-F238E27FC236}">
-                <a16:creationId xmlns:a16="http://schemas.microsoft.com/office/drawing/2014/main" id="{70C510E0-3472-488A-9293-2D6EF9C3BE5C}"/>
-              </a:ext>
-            </a:extLst>
-          </p:cNvPr>
-          <p:cNvPicPr/>
+          <p:cNvPr id="2" name="Picture 1">
+            <a:extLst>
+              <a:ext uri="{FF2B5EF4-FFF2-40B4-BE49-F238E27FC236}">
+                <a16:creationId xmlns:a16="http://schemas.microsoft.com/office/drawing/2014/main" id="{176D03F7-73E9-BFDE-3233-0F78286B6AF7}"/>
+              </a:ext>
+            </a:extLst>
+          </p:cNvPr>
+          <p:cNvPicPr>
+            <a:picLocks noChangeAspect="1"/>
+          </p:cNvPicPr>
           <p:nvPr/>
         </p:nvPicPr>
         <p:blipFill>
-          <a:blip r:embed="rId3">
+          <a:blip r:embed="rId3" cstate="print">
             <a:extLst>
               <a:ext uri="{28A0092B-C50C-407E-A947-70E740481C1C}">
                 <a14:useLocalDpi xmlns:a14="http://schemas.microsoft.com/office/drawing/2010/main" val="0"/>
               </a:ext>
             </a:extLst>
           </a:blip>
-          <a:srcRect l="9444" r="9444"/>
-          <a:stretch/>
+          <a:stretch>
+            <a:fillRect/>
+          </a:stretch>
         </p:blipFill>
         <p:spPr>
           <a:xfrm>
-            <a:off x="7763221" y="2900798"/>
-            <a:ext cx="4038600" cy="2800734"/>
+            <a:off x="4980825" y="3033250"/>
+            <a:ext cx="6842009" cy="3125056"/>
           </a:xfrm>
           <a:prstGeom prst="roundRect">
             <a:avLst>
-              <a:gd name="adj" fmla="val 12926"/>
+              <a:gd name="adj" fmla="val 8594"/>
             </a:avLst>
           </a:prstGeom>
+          <a:solidFill>
+            <a:srgbClr val="FFFFFF">
+              <a:shade val="85000"/>
+            </a:srgbClr>
+          </a:solidFill>
           <a:ln>
             <a:noFill/>
           </a:ln>
           <a:effectLst>
-            <a:outerShdw blurRad="152400" dist="12000" dir="900000" sy="98000" kx="110000" ky="200000" algn="tl" rotWithShape="0">
-              <a:srgbClr val="000000">
-                <a:alpha val="30000"/>
-              </a:srgbClr>
-            </a:outerShdw>
+            <a:reflection blurRad="12700" stA="38000" endPos="28000" dist="5000" dir="5400000" sy="-100000" algn="bl" rotWithShape="0"/>
           </a:effectLst>
-          <a:scene3d>
-            <a:camera prst="perspectiveRelaxed">
-              <a:rot lat="19800000" lon="1200000" rev="20820000"/>
-            </a:camera>
-            <a:lightRig rig="threePt" dir="t"/>
-          </a:scene3d>
-          <a:sp3d contourW="6350" prstMaterial="matte">
-            <a:bevelT w="101600" h="101600"/>
-            <a:contourClr>
-              <a:srgbClr val="969696"/>
-            </a:contourClr>
-          </a:sp3d>
         </p:spPr>
       </p:pic>
     </p:spTree>
     <p:extLst>
       <p:ext uri="{BB962C8B-B14F-4D97-AF65-F5344CB8AC3E}">
-        <p14:creationId xmlns:p14="http://schemas.microsoft.com/office/powerpoint/2010/main" val="217384262"/>
+        <p14:creationId xmlns:p14="http://schemas.microsoft.com/office/powerpoint/2010/main" val="745881776"/>
       </p:ext>
     </p:extLst>
   </p:cSld>
   <p:clrMapOvr>
     <a:masterClrMapping/>
   </p:clrMapOvr>
-  <mc:AlternateContent xmlns:mc="http://schemas.openxmlformats.org/markup-compatibility/2006">
-    <mc:Choice xmlns:p15="http://schemas.microsoft.com/office/powerpoint/2012/main" Requires="p15">
+  <mc:AlternateContent xmlns:mc="http://schemas.openxmlformats.org/markup-compatibility/2006" xmlns:p15="http://schemas.microsoft.com/office/powerpoint/2012/main">
+    <mc:Choice Requires="p15">
       <p:transition xmlns:p14="http://schemas.microsoft.com/office/powerpoint/2010/main" spd="slow" p14:dur="1250">
         <p15:prstTrans prst="pageCurlDouble"/>
       </p:transition>
     </mc:Choice>
-    <mc:Fallback>
+    <mc:Fallback xmlns="">
       <p:transition spd="slow">
         <p:fade/>
       </p:transition>
@@ -9844,7 +10007,13 @@
   <p:cSld>
     <p:spTree>
       <p:nvGrpSpPr>
-        <p:cNvPr id="1" name=""/>
+        <p:cNvPr id="1" name="">
+          <a:extLst>
+            <a:ext uri="{FF2B5EF4-FFF2-40B4-BE49-F238E27FC236}">
+              <a16:creationId xmlns:a16="http://schemas.microsoft.com/office/drawing/2014/main" id="{947D7684-C2F5-775D-3ED7-F8F12B05E9C2}"/>
+            </a:ext>
+          </a:extLst>
+        </p:cNvPr>
         <p:cNvGrpSpPr/>
         <p:nvPr/>
       </p:nvGrpSpPr>
@@ -9861,7 +10030,7 @@
           <p:cNvPr id="3" name="Picture 2">
             <a:extLst>
               <a:ext uri="{FF2B5EF4-FFF2-40B4-BE49-F238E27FC236}">
-                <a16:creationId xmlns:a16="http://schemas.microsoft.com/office/drawing/2014/main" id="{52C57CA1-5C2C-4B06-81E0-4F087296F58D}"/>
+                <a16:creationId xmlns:a16="http://schemas.microsoft.com/office/drawing/2014/main" id="{78805778-ED87-6773-9B8C-9B95A357363C}"/>
               </a:ext>
             </a:extLst>
           </p:cNvPr>
@@ -9896,7 +10065,7 @@
           <p:cNvPr id="4" name="TextBox 3">
             <a:extLst>
               <a:ext uri="{FF2B5EF4-FFF2-40B4-BE49-F238E27FC236}">
-                <a16:creationId xmlns:a16="http://schemas.microsoft.com/office/drawing/2014/main" id="{56B7C459-99D6-4E36-A094-BDBE56678AA9}"/>
+                <a16:creationId xmlns:a16="http://schemas.microsoft.com/office/drawing/2014/main" id="{D7DA7C0F-B8DA-FE38-E7FC-83C028108B33}"/>
               </a:ext>
             </a:extLst>
           </p:cNvPr>
@@ -9925,7 +10094,7 @@
                   <a:srgbClr val="7FA2DA"/>
                 </a:solidFill>
               </a:rPr>
-              <a:t>6. Methodology - Data Preparation - Interpretation</a:t>
+              <a:t>6. Methodology - Data Preparation - Score calculation - II</a:t>
             </a:r>
           </a:p>
         </p:txBody>
@@ -9935,7 +10104,7 @@
           <p:cNvPr id="7" name="TextBox 6">
             <a:extLst>
               <a:ext uri="{FF2B5EF4-FFF2-40B4-BE49-F238E27FC236}">
-                <a16:creationId xmlns:a16="http://schemas.microsoft.com/office/drawing/2014/main" id="{AB61819A-609D-46F8-A5A0-5CC73C743926}"/>
+                <a16:creationId xmlns:a16="http://schemas.microsoft.com/office/drawing/2014/main" id="{E8CC6E32-A79E-B1F9-6930-18F9B763A43E}"/>
               </a:ext>
             </a:extLst>
           </p:cNvPr>
@@ -10003,212 +10172,12 @@
           </a:p>
         </p:txBody>
       </p:sp>
-      <p:sp>
-        <p:nvSpPr>
-          <p:cNvPr id="13" name="TextBox 12">
-            <a:extLst>
-              <a:ext uri="{FF2B5EF4-FFF2-40B4-BE49-F238E27FC236}">
-                <a16:creationId xmlns:a16="http://schemas.microsoft.com/office/drawing/2014/main" id="{3B54F22A-253D-4064-812B-94821680EB1E}"/>
-              </a:ext>
-            </a:extLst>
-          </p:cNvPr>
-          <p:cNvSpPr txBox="1"/>
-          <p:nvPr/>
-        </p:nvSpPr>
-        <p:spPr>
-          <a:xfrm>
-            <a:off x="390178" y="2222792"/>
-            <a:ext cx="7512600" cy="3570208"/>
-          </a:xfrm>
-          <a:prstGeom prst="rect">
-            <a:avLst/>
-          </a:prstGeom>
-          <a:noFill/>
-        </p:spPr>
-        <p:txBody>
-          <a:bodyPr wrap="square" rtlCol="0">
-            <a:spAutoFit/>
-          </a:bodyPr>
-          <a:lstStyle/>
-          <a:p>
-            <a:endParaRPr lang="en-US" sz="2400" dirty="0">
-              <a:solidFill>
-                <a:schemeClr val="bg1">
-                  <a:lumMod val="85000"/>
-                </a:schemeClr>
-              </a:solidFill>
-            </a:endParaRPr>
-          </a:p>
-          <a:p>
-            <a:r>
-              <a:rPr lang="en-US" sz="2400" dirty="0">
-                <a:solidFill>
-                  <a:schemeClr val="bg1">
-                    <a:lumMod val="85000"/>
-                  </a:schemeClr>
-                </a:solidFill>
-              </a:rPr>
-              <a:t> (</a:t>
-            </a:r>
-            <a:r>
-              <a:rPr lang="en-US" sz="2400" i="1" dirty="0">
-                <a:solidFill>
-                  <a:schemeClr val="bg1">
-                    <a:lumMod val="75000"/>
-                  </a:schemeClr>
-                </a:solidFill>
-              </a:rPr>
-              <a:t>Tool: Power Bi: Dashboard) </a:t>
-            </a:r>
-          </a:p>
-          <a:p>
-            <a:endParaRPr lang="en-US" sz="2400" i="1" dirty="0">
-              <a:solidFill>
-                <a:schemeClr val="bg1">
-                  <a:lumMod val="75000"/>
-                </a:schemeClr>
-              </a:solidFill>
-            </a:endParaRPr>
-          </a:p>
-          <a:p>
-            <a:r>
-              <a:rPr lang="en-US" sz="2200" b="1" dirty="0">
-                <a:solidFill>
-                  <a:schemeClr val="bg1">
-                    <a:lumMod val="85000"/>
-                  </a:schemeClr>
-                </a:solidFill>
-              </a:rPr>
-              <a:t>Answer questions and get insight  at Dashboard:</a:t>
-            </a:r>
-            <a:endParaRPr lang="en-US" sz="2200" dirty="0">
-              <a:solidFill>
-                <a:schemeClr val="bg1">
-                  <a:lumMod val="85000"/>
-                </a:schemeClr>
-              </a:solidFill>
-            </a:endParaRPr>
-          </a:p>
-          <a:p>
-            <a:r>
-              <a:rPr lang="en-US" sz="2200" dirty="0">
-                <a:solidFill>
-                  <a:schemeClr val="bg1">
-                    <a:lumMod val="85000"/>
-                  </a:schemeClr>
-                </a:solidFill>
-              </a:rPr>
-              <a:t>The interactive dashboard offers a visual analysis of factors affecting depression severity (PHQ-9 levels) among university students. It presents key patterns and correlations between demographic, academic variables and mental health indicators.</a:t>
-            </a:r>
-          </a:p>
-          <a:p>
-            <a:r>
-              <a:rPr lang="en-US" sz="2200" dirty="0">
-                <a:solidFill>
-                  <a:schemeClr val="bg1">
-                    <a:lumMod val="85000"/>
-                  </a:schemeClr>
-                </a:solidFill>
-              </a:rPr>
-              <a:t>The insights are designed to enhance understanding and guide data-informed decisions on student mental health support.</a:t>
-            </a:r>
-          </a:p>
-        </p:txBody>
-      </p:sp>
-      <p:sp>
-        <p:nvSpPr>
-          <p:cNvPr id="14" name="TextBox 13">
-            <a:extLst>
-              <a:ext uri="{FF2B5EF4-FFF2-40B4-BE49-F238E27FC236}">
-                <a16:creationId xmlns:a16="http://schemas.microsoft.com/office/drawing/2014/main" id="{1085563C-D0E9-4147-9D5A-1A71010E870C}"/>
-              </a:ext>
-            </a:extLst>
-          </p:cNvPr>
-          <p:cNvSpPr txBox="1"/>
-          <p:nvPr/>
-        </p:nvSpPr>
-        <p:spPr>
-          <a:xfrm>
-            <a:off x="11167533" y="6392412"/>
-            <a:ext cx="437237" cy="369332"/>
-          </a:xfrm>
-          <a:prstGeom prst="rect">
-            <a:avLst/>
-          </a:prstGeom>
-          <a:noFill/>
-        </p:spPr>
-        <p:txBody>
-          <a:bodyPr wrap="square" rtlCol="0">
-            <a:spAutoFit/>
-          </a:bodyPr>
-          <a:lstStyle/>
-          <a:p>
-            <a:r>
-              <a:rPr lang="en-US" dirty="0">
-                <a:solidFill>
-                  <a:srgbClr val="7FA2DA"/>
-                </a:solidFill>
-              </a:rPr>
-              <a:t>24</a:t>
-            </a:r>
-          </a:p>
-        </p:txBody>
-      </p:sp>
-      <p:sp>
-        <p:nvSpPr>
-          <p:cNvPr id="23" name="TextBox 22">
-            <a:extLst>
-              <a:ext uri="{FF2B5EF4-FFF2-40B4-BE49-F238E27FC236}">
-                <a16:creationId xmlns:a16="http://schemas.microsoft.com/office/drawing/2014/main" id="{28D5B536-1CA5-4770-B39C-9B6ECDDA389F}"/>
-              </a:ext>
-            </a:extLst>
-          </p:cNvPr>
-          <p:cNvSpPr txBox="1"/>
-          <p:nvPr/>
-        </p:nvSpPr>
-        <p:spPr>
-          <a:xfrm>
-            <a:off x="8086726" y="2571585"/>
-            <a:ext cx="3715096" cy="461665"/>
-          </a:xfrm>
-          <a:prstGeom prst="rect">
-            <a:avLst/>
-          </a:prstGeom>
-          <a:noFill/>
-        </p:spPr>
-        <p:txBody>
-          <a:bodyPr wrap="square" rtlCol="0">
-            <a:spAutoFit/>
-          </a:bodyPr>
-          <a:lstStyle/>
-          <a:p>
-            <a:pPr algn="ctr"/>
-            <a:r>
-              <a:rPr lang="it-IT" sz="2400" b="1" dirty="0">
-                <a:solidFill>
-                  <a:schemeClr val="bg1">
-                    <a:lumMod val="85000"/>
-                  </a:schemeClr>
-                </a:solidFill>
-              </a:rPr>
-              <a:t>6-  Interpretation</a:t>
-            </a:r>
-            <a:endParaRPr lang="en-US" sz="2400" b="1" dirty="0">
-              <a:solidFill>
-                <a:schemeClr val="bg1">
-                  <a:lumMod val="85000"/>
-                </a:schemeClr>
-              </a:solidFill>
-            </a:endParaRPr>
-          </a:p>
-        </p:txBody>
-      </p:sp>
       <p:pic>
         <p:nvPicPr>
-          <p:cNvPr id="9" name="Picture 8">
-            <a:extLst>
-              <a:ext uri="{FF2B5EF4-FFF2-40B4-BE49-F238E27FC236}">
-                <a16:creationId xmlns:a16="http://schemas.microsoft.com/office/drawing/2014/main" id="{70C510E0-3472-488A-9293-2D6EF9C3BE5C}"/>
+          <p:cNvPr id="10" name="Picture 9">
+            <a:extLst>
+              <a:ext uri="{FF2B5EF4-FFF2-40B4-BE49-F238E27FC236}">
+                <a16:creationId xmlns:a16="http://schemas.microsoft.com/office/drawing/2014/main" id="{0987DA1C-8E9E-DC15-0312-3769061707D6}"/>
               </a:ext>
             </a:extLst>
           </p:cNvPr>
@@ -10223,12 +10192,12 @@
               </a:ext>
             </a:extLst>
           </a:blip>
-          <a:srcRect l="9079" r="9079"/>
+          <a:srcRect l="13175" r="13175"/>
           <a:stretch/>
         </p:blipFill>
         <p:spPr>
           <a:xfrm>
-            <a:off x="7763221" y="2900798"/>
+            <a:off x="7807529" y="2898672"/>
             <a:ext cx="4038600" cy="2800734"/>
           </a:xfrm>
           <a:prstGeom prst="roundRect">
@@ -10260,23 +10229,196 @@
           </a:sp3d>
         </p:spPr>
       </p:pic>
+      <p:sp>
+        <p:nvSpPr>
+          <p:cNvPr id="13" name="TextBox 12">
+            <a:extLst>
+              <a:ext uri="{FF2B5EF4-FFF2-40B4-BE49-F238E27FC236}">
+                <a16:creationId xmlns:a16="http://schemas.microsoft.com/office/drawing/2014/main" id="{20245D20-D2BA-95E5-E44E-AA5CA112E5AF}"/>
+              </a:ext>
+            </a:extLst>
+          </p:cNvPr>
+          <p:cNvSpPr txBox="1"/>
+          <p:nvPr/>
+        </p:nvSpPr>
+        <p:spPr>
+          <a:xfrm>
+            <a:off x="390179" y="2334402"/>
+            <a:ext cx="7512600" cy="3570208"/>
+          </a:xfrm>
+          <a:prstGeom prst="rect">
+            <a:avLst/>
+          </a:prstGeom>
+          <a:noFill/>
+        </p:spPr>
+        <p:txBody>
+          <a:bodyPr wrap="square" rtlCol="0">
+            <a:spAutoFit/>
+          </a:bodyPr>
+          <a:lstStyle/>
+          <a:p>
+            <a:endParaRPr lang="en-US" sz="2400" dirty="0">
+              <a:solidFill>
+                <a:schemeClr val="bg1">
+                  <a:lumMod val="85000"/>
+                </a:schemeClr>
+              </a:solidFill>
+            </a:endParaRPr>
+          </a:p>
+          <a:p>
+            <a:r>
+              <a:rPr lang="en-US" sz="2400" dirty="0">
+                <a:solidFill>
+                  <a:schemeClr val="bg1">
+                    <a:lumMod val="85000"/>
+                  </a:schemeClr>
+                </a:solidFill>
+              </a:rPr>
+              <a:t> (</a:t>
+            </a:r>
+            <a:r>
+              <a:rPr lang="en-US" sz="2400" i="1" dirty="0">
+                <a:solidFill>
+                  <a:schemeClr val="bg1">
+                    <a:lumMod val="75000"/>
+                  </a:schemeClr>
+                </a:solidFill>
+              </a:rPr>
+              <a:t>Tool: Power Query in Power Bi Language: M Query) </a:t>
+            </a:r>
+          </a:p>
+          <a:p>
+            <a:endParaRPr lang="en-US" sz="2400" i="1" dirty="0">
+              <a:solidFill>
+                <a:schemeClr val="bg1">
+                  <a:lumMod val="75000"/>
+                </a:schemeClr>
+              </a:solidFill>
+            </a:endParaRPr>
+          </a:p>
+          <a:p>
+            <a:r>
+              <a:rPr lang="en-US" sz="2200" b="1" dirty="0">
+                <a:solidFill>
+                  <a:schemeClr val="bg1">
+                    <a:lumMod val="85000"/>
+                  </a:schemeClr>
+                </a:solidFill>
+              </a:rPr>
+              <a:t>Stress Level:</a:t>
+            </a:r>
+          </a:p>
+          <a:p>
+            <a:r>
+              <a:rPr lang="en-US" sz="2200" dirty="0">
+                <a:solidFill>
+                  <a:schemeClr val="bg1">
+                    <a:lumMod val="85000"/>
+                  </a:schemeClr>
+                </a:solidFill>
+              </a:rPr>
+              <a:t>To categorize the participants' stress levels based on their total scores in the questionnaire, a simple classification method was used. If a participant scored 10 or above, they were classified as experiencing high stress. Scores between 5 and 9 indicated moderate stress, while scores below 5 were considered to reflect low stress.</a:t>
+            </a:r>
+          </a:p>
+        </p:txBody>
+      </p:sp>
+      <p:sp>
+        <p:nvSpPr>
+          <p:cNvPr id="14" name="TextBox 13">
+            <a:extLst>
+              <a:ext uri="{FF2B5EF4-FFF2-40B4-BE49-F238E27FC236}">
+                <a16:creationId xmlns:a16="http://schemas.microsoft.com/office/drawing/2014/main" id="{CA291202-B19A-DC62-BFC7-093B6455168F}"/>
+              </a:ext>
+            </a:extLst>
+          </p:cNvPr>
+          <p:cNvSpPr txBox="1"/>
+          <p:nvPr/>
+        </p:nvSpPr>
+        <p:spPr>
+          <a:xfrm>
+            <a:off x="11167533" y="6392412"/>
+            <a:ext cx="437237" cy="369332"/>
+          </a:xfrm>
+          <a:prstGeom prst="rect">
+            <a:avLst/>
+          </a:prstGeom>
+          <a:noFill/>
+        </p:spPr>
+        <p:txBody>
+          <a:bodyPr wrap="square" rtlCol="0">
+            <a:spAutoFit/>
+          </a:bodyPr>
+          <a:lstStyle/>
+          <a:p>
+            <a:r>
+              <a:rPr lang="en-US" dirty="0">
+                <a:solidFill>
+                  <a:srgbClr val="7FA2DA"/>
+                </a:solidFill>
+              </a:rPr>
+              <a:t>22</a:t>
+            </a:r>
+          </a:p>
+        </p:txBody>
+      </p:sp>
+      <p:sp>
+        <p:nvSpPr>
+          <p:cNvPr id="23" name="TextBox 22">
+            <a:extLst>
+              <a:ext uri="{FF2B5EF4-FFF2-40B4-BE49-F238E27FC236}">
+                <a16:creationId xmlns:a16="http://schemas.microsoft.com/office/drawing/2014/main" id="{57B5342F-6837-7003-8B99-447160619232}"/>
+              </a:ext>
+            </a:extLst>
+          </p:cNvPr>
+          <p:cNvSpPr txBox="1"/>
+          <p:nvPr/>
+        </p:nvSpPr>
+        <p:spPr>
+          <a:xfrm>
+            <a:off x="8978778" y="2571585"/>
+            <a:ext cx="2823043" cy="461665"/>
+          </a:xfrm>
+          <a:prstGeom prst="rect">
+            <a:avLst/>
+          </a:prstGeom>
+          <a:noFill/>
+        </p:spPr>
+        <p:txBody>
+          <a:bodyPr wrap="square" rtlCol="0">
+            <a:spAutoFit/>
+          </a:bodyPr>
+          <a:lstStyle/>
+          <a:p>
+            <a:r>
+              <a:rPr lang="en-US" sz="2400" b="1" dirty="0">
+                <a:solidFill>
+                  <a:schemeClr val="bg1">
+                    <a:lumMod val="85000"/>
+                  </a:schemeClr>
+                </a:solidFill>
+              </a:rPr>
+              <a:t>4- Score calculation:  </a:t>
+            </a:r>
+          </a:p>
+        </p:txBody>
+      </p:sp>
     </p:spTree>
     <p:extLst>
       <p:ext uri="{BB962C8B-B14F-4D97-AF65-F5344CB8AC3E}">
-        <p14:creationId xmlns:p14="http://schemas.microsoft.com/office/powerpoint/2010/main" val="2349390111"/>
+        <p14:creationId xmlns:p14="http://schemas.microsoft.com/office/powerpoint/2010/main" val="12627"/>
       </p:ext>
     </p:extLst>
   </p:cSld>
   <p:clrMapOvr>
     <a:masterClrMapping/>
   </p:clrMapOvr>
-  <mc:AlternateContent xmlns:mc="http://schemas.openxmlformats.org/markup-compatibility/2006">
-    <mc:Choice xmlns:p15="http://schemas.microsoft.com/office/powerpoint/2012/main" Requires="p15">
+  <mc:AlternateContent xmlns:mc="http://schemas.openxmlformats.org/markup-compatibility/2006" xmlns:p15="http://schemas.microsoft.com/office/powerpoint/2012/main">
+    <mc:Choice Requires="p15">
       <p:transition xmlns:p14="http://schemas.microsoft.com/office/powerpoint/2010/main" spd="slow" p14:dur="1250">
         <p15:prstTrans prst="pageCurlDouble"/>
       </p:transition>
     </mc:Choice>
-    <mc:Fallback>
+    <mc:Fallback xmlns="">
       <p:transition spd="slow">
         <p:fade/>
       </p:transition>
@@ -10290,7 +10432,13 @@
   <p:cSld>
     <p:spTree>
       <p:nvGrpSpPr>
-        <p:cNvPr id="1" name=""/>
+        <p:cNvPr id="1" name="">
+          <a:extLst>
+            <a:ext uri="{FF2B5EF4-FFF2-40B4-BE49-F238E27FC236}">
+              <a16:creationId xmlns:a16="http://schemas.microsoft.com/office/drawing/2014/main" id="{6983A5CC-8B11-4916-61C8-8BF83575B58E}"/>
+            </a:ext>
+          </a:extLst>
+        </p:cNvPr>
         <p:cNvGrpSpPr/>
         <p:nvPr/>
       </p:nvGrpSpPr>
@@ -10307,7 +10455,7 @@
           <p:cNvPr id="3" name="Picture 2">
             <a:extLst>
               <a:ext uri="{FF2B5EF4-FFF2-40B4-BE49-F238E27FC236}">
-                <a16:creationId xmlns:a16="http://schemas.microsoft.com/office/drawing/2014/main" id="{52C57CA1-5C2C-4B06-81E0-4F087296F58D}"/>
+                <a16:creationId xmlns:a16="http://schemas.microsoft.com/office/drawing/2014/main" id="{C2E51345-F496-FAAA-AAE7-20E62DC6EBF8}"/>
               </a:ext>
             </a:extLst>
           </p:cNvPr>
@@ -10330,7 +10478,7 @@
         <p:spPr>
           <a:xfrm>
             <a:off x="2" y="0"/>
-            <a:ext cx="12191996" cy="6857997"/>
+            <a:ext cx="12191996" cy="6857998"/>
           </a:xfrm>
           <a:prstGeom prst="rect">
             <a:avLst/>
@@ -10342,7 +10490,7 @@
           <p:cNvPr id="4" name="TextBox 3">
             <a:extLst>
               <a:ext uri="{FF2B5EF4-FFF2-40B4-BE49-F238E27FC236}">
-                <a16:creationId xmlns:a16="http://schemas.microsoft.com/office/drawing/2014/main" id="{56B7C459-99D6-4E36-A094-BDBE56678AA9}"/>
+                <a16:creationId xmlns:a16="http://schemas.microsoft.com/office/drawing/2014/main" id="{4CB8E740-BCD7-9A5F-E065-93FED33F0CB4}"/>
               </a:ext>
             </a:extLst>
           </p:cNvPr>
@@ -10371,17 +10519,17 @@
                   <a:srgbClr val="7FA2DA"/>
                 </a:solidFill>
               </a:rPr>
-              <a:t>7. Limitations</a:t>
-            </a:r>
-          </a:p>
-        </p:txBody>
-      </p:sp>
-      <p:sp>
-        <p:nvSpPr>
-          <p:cNvPr id="13" name="TextBox 12">
-            <a:extLst>
-              <a:ext uri="{FF2B5EF4-FFF2-40B4-BE49-F238E27FC236}">
-                <a16:creationId xmlns:a16="http://schemas.microsoft.com/office/drawing/2014/main" id="{3B54F22A-253D-4064-812B-94821680EB1E}"/>
+              <a:t>6. Methodology - Data Preparation - Score calculation - II</a:t>
+            </a:r>
+          </a:p>
+        </p:txBody>
+      </p:sp>
+      <p:sp>
+        <p:nvSpPr>
+          <p:cNvPr id="7" name="TextBox 6">
+            <a:extLst>
+              <a:ext uri="{FF2B5EF4-FFF2-40B4-BE49-F238E27FC236}">
+                <a16:creationId xmlns:a16="http://schemas.microsoft.com/office/drawing/2014/main" id="{8EA28236-A457-11E9-E500-FF07616BDD2C}"/>
               </a:ext>
             </a:extLst>
           </p:cNvPr>
@@ -10390,8 +10538,138 @@
         </p:nvSpPr>
         <p:spPr>
           <a:xfrm>
-            <a:off x="793547" y="2351279"/>
-            <a:ext cx="11122225" cy="2677656"/>
+            <a:off x="577267" y="1736495"/>
+            <a:ext cx="2813633" cy="461665"/>
+          </a:xfrm>
+          <a:prstGeom prst="rect">
+            <a:avLst/>
+          </a:prstGeom>
+          <a:solidFill>
+            <a:srgbClr val="282F3E"/>
+          </a:solidFill>
+          <a:ln>
+            <a:noFill/>
+          </a:ln>
+          <a:effectLst>
+            <a:outerShdw blurRad="190500" dist="228600" dir="2700000" algn="ctr">
+              <a:srgbClr val="000000">
+                <a:alpha val="30000"/>
+              </a:srgbClr>
+            </a:outerShdw>
+          </a:effectLst>
+          <a:scene3d>
+            <a:camera prst="orthographicFront">
+              <a:rot lat="0" lon="0" rev="0"/>
+            </a:camera>
+            <a:lightRig rig="glow" dir="t">
+              <a:rot lat="0" lon="0" rev="4800000"/>
+            </a:lightRig>
+          </a:scene3d>
+          <a:sp3d prstMaterial="matte">
+            <a:bevelT w="127000" h="63500"/>
+          </a:sp3d>
+        </p:spPr>
+        <p:txBody>
+          <a:bodyPr wrap="square" rtlCol="0">
+            <a:spAutoFit/>
+            <a:sp3d/>
+          </a:bodyPr>
+          <a:lstStyle>
+            <a:defPPr>
+              <a:defRPr lang="en-US"/>
+            </a:defPPr>
+            <a:lvl1pPr>
+              <a:defRPr sz="2400">
+                <a:solidFill>
+                  <a:schemeClr val="bg1">
+                    <a:lumMod val="85000"/>
+                  </a:schemeClr>
+                </a:solidFill>
+              </a:defRPr>
+            </a:lvl1pPr>
+          </a:lstStyle>
+          <a:p>
+            <a:r>
+              <a:rPr lang="fr-FR" dirty="0"/>
+              <a:t>2-  Data Preparation:</a:t>
+            </a:r>
+            <a:endParaRPr lang="en-US" dirty="0"/>
+          </a:p>
+        </p:txBody>
+      </p:sp>
+      <p:pic>
+        <p:nvPicPr>
+          <p:cNvPr id="10" name="Picture 9">
+            <a:extLst>
+              <a:ext uri="{FF2B5EF4-FFF2-40B4-BE49-F238E27FC236}">
+                <a16:creationId xmlns:a16="http://schemas.microsoft.com/office/drawing/2014/main" id="{080FC316-13A5-73AA-C95B-4F4A97809578}"/>
+              </a:ext>
+            </a:extLst>
+          </p:cNvPr>
+          <p:cNvPicPr/>
+          <p:nvPr/>
+        </p:nvPicPr>
+        <p:blipFill>
+          <a:blip r:embed="rId3">
+            <a:extLst>
+              <a:ext uri="{28A0092B-C50C-407E-A947-70E740481C1C}">
+                <a14:useLocalDpi xmlns:a14="http://schemas.microsoft.com/office/drawing/2010/main" val="0"/>
+              </a:ext>
+            </a:extLst>
+          </a:blip>
+          <a:srcRect l="13175" r="13175"/>
+          <a:stretch/>
+        </p:blipFill>
+        <p:spPr>
+          <a:xfrm>
+            <a:off x="7807529" y="2898672"/>
+            <a:ext cx="4038600" cy="2800734"/>
+          </a:xfrm>
+          <a:prstGeom prst="roundRect">
+            <a:avLst>
+              <a:gd name="adj" fmla="val 12926"/>
+            </a:avLst>
+          </a:prstGeom>
+          <a:ln>
+            <a:noFill/>
+          </a:ln>
+          <a:effectLst>
+            <a:outerShdw blurRad="152400" dist="12000" dir="900000" sy="98000" kx="110000" ky="200000" algn="tl" rotWithShape="0">
+              <a:srgbClr val="000000">
+                <a:alpha val="30000"/>
+              </a:srgbClr>
+            </a:outerShdw>
+          </a:effectLst>
+          <a:scene3d>
+            <a:camera prst="perspectiveRelaxed">
+              <a:rot lat="19800000" lon="1200000" rev="20820000"/>
+            </a:camera>
+            <a:lightRig rig="threePt" dir="t"/>
+          </a:scene3d>
+          <a:sp3d contourW="6350" prstMaterial="matte">
+            <a:bevelT w="101600" h="101600"/>
+            <a:contourClr>
+              <a:srgbClr val="969696"/>
+            </a:contourClr>
+          </a:sp3d>
+        </p:spPr>
+      </p:pic>
+      <p:sp>
+        <p:nvSpPr>
+          <p:cNvPr id="13" name="TextBox 12">
+            <a:extLst>
+              <a:ext uri="{FF2B5EF4-FFF2-40B4-BE49-F238E27FC236}">
+                <a16:creationId xmlns:a16="http://schemas.microsoft.com/office/drawing/2014/main" id="{C483B2A8-E25C-0E60-99E1-6A42C61769BF}"/>
+              </a:ext>
+            </a:extLst>
+          </p:cNvPr>
+          <p:cNvSpPr txBox="1"/>
+          <p:nvPr/>
+        </p:nvSpPr>
+        <p:spPr>
+          <a:xfrm>
+            <a:off x="390178" y="2334402"/>
+            <a:ext cx="7524461" cy="3923895"/>
           </a:xfrm>
           <a:prstGeom prst="rect">
             <a:avLst/>
@@ -10403,18 +10681,6 @@
             <a:spAutoFit/>
           </a:bodyPr>
           <a:lstStyle/>
-          <a:p>
-            <a:r>
-              <a:rPr lang="en-US" sz="2400" dirty="0">
-                <a:solidFill>
-                  <a:schemeClr val="bg1">
-                    <a:lumMod val="85000"/>
-                  </a:schemeClr>
-                </a:solidFill>
-              </a:rPr>
-              <a:t>A major limitation of this study is response bias, as many participants provided incomplete or inconsistent answers, reducing the accuracy and reliability of the dataset. </a:t>
-            </a:r>
-          </a:p>
           <a:p>
             <a:endParaRPr lang="en-US" sz="2400" dirty="0">
               <a:solidFill>
@@ -10433,28 +10699,130 @@
                   </a:schemeClr>
                 </a:solidFill>
               </a:rPr>
-              <a:t>Additionally, time compliance issues suggest that some respondents rushed through the survey without careful reflection, potentially compromising data integrity. </a:t>
-            </a:r>
-          </a:p>
-          <a:p>
-            <a:endParaRPr lang="en-US" sz="2400" dirty="0">
+              <a:t> (</a:t>
+            </a:r>
+            <a:r>
+              <a:rPr lang="en-US" sz="2400" i="1" dirty="0">
+                <a:solidFill>
+                  <a:schemeClr val="bg1">
+                    <a:lumMod val="75000"/>
+                  </a:schemeClr>
+                </a:solidFill>
+              </a:rPr>
+              <a:t>Tool: Power Query in Power Bi Language: M Query) </a:t>
+            </a:r>
+          </a:p>
+          <a:p>
+            <a:endParaRPr lang="en-US" sz="2400" i="1" dirty="0">
               <a:solidFill>
                 <a:schemeClr val="bg1">
-                  <a:lumMod val="85000"/>
+                  <a:lumMod val="75000"/>
                 </a:schemeClr>
               </a:solidFill>
             </a:endParaRPr>
           </a:p>
           <a:p>
-            <a:r>
-              <a:rPr lang="en-US" sz="2400" dirty="0">
+            <a:pPr marL="171450" marR="0">
+              <a:lnSpc>
+                <a:spcPct val="115000"/>
+              </a:lnSpc>
+              <a:spcAft>
+                <a:spcPts val="800"/>
+              </a:spcAft>
+              <a:buNone/>
+            </a:pPr>
+            <a:r>
+              <a:rPr lang="en-US" sz="2200" b="1" dirty="0">
                 <a:solidFill>
                   <a:schemeClr val="bg1">
                     <a:lumMod val="85000"/>
                   </a:schemeClr>
                 </a:solidFill>
               </a:rPr>
-              <a:t>These factors may skew insights and limit the generalizability of findings.</a:t>
+              <a:t>Expression Comfort</a:t>
+            </a:r>
+          </a:p>
+          <a:p>
+            <a:pPr marL="0" marR="0" algn="just">
+              <a:lnSpc>
+                <a:spcPct val="115000"/>
+              </a:lnSpc>
+              <a:spcAft>
+                <a:spcPts val="800"/>
+              </a:spcAft>
+              <a:buNone/>
+            </a:pPr>
+            <a:r>
+              <a:rPr lang="en-US" sz="2200" dirty="0">
+                <a:solidFill>
+                  <a:schemeClr val="bg1">
+                    <a:lumMod val="85000"/>
+                  </a:schemeClr>
+                </a:solidFill>
+              </a:rPr>
+              <a:t>To classify participants’ overall comfort level, the following system was applied:</a:t>
+            </a:r>
+          </a:p>
+          <a:p>
+            <a:pPr marL="228600" marR="0" algn="just">
+              <a:lnSpc>
+                <a:spcPct val="115000"/>
+              </a:lnSpc>
+              <a:spcAft>
+                <a:spcPts val="800"/>
+              </a:spcAft>
+              <a:buNone/>
+            </a:pPr>
+            <a:r>
+              <a:rPr lang="en-US" sz="2200" dirty="0">
+                <a:solidFill>
+                  <a:schemeClr val="bg1">
+                    <a:lumMod val="85000"/>
+                  </a:schemeClr>
+                </a:solidFill>
+              </a:rPr>
+              <a:t>Scores ≥ 3: Very Comfortable</a:t>
+            </a:r>
+          </a:p>
+          <a:p>
+            <a:pPr marL="228600" marR="0" algn="just">
+              <a:lnSpc>
+                <a:spcPct val="115000"/>
+              </a:lnSpc>
+              <a:spcAft>
+                <a:spcPts val="800"/>
+              </a:spcAft>
+              <a:buNone/>
+            </a:pPr>
+            <a:r>
+              <a:rPr lang="en-US" sz="2200" dirty="0">
+                <a:solidFill>
+                  <a:schemeClr val="bg1">
+                    <a:lumMod val="85000"/>
+                  </a:schemeClr>
+                </a:solidFill>
+              </a:rPr>
+              <a:t>Scores between 0 and 2: Neutral</a:t>
+            </a:r>
+          </a:p>
+          <a:p>
+            <a:pPr marL="228600" marR="0" algn="just">
+              <a:lnSpc>
+                <a:spcPct val="115000"/>
+              </a:lnSpc>
+              <a:spcAft>
+                <a:spcPts val="800"/>
+              </a:spcAft>
+            </a:pPr>
+            <a:r>
+              <a:rPr lang="en-US" sz="2200" dirty="0">
+                <a:solidFill>
+                  <a:schemeClr val="bg1">
+                    <a:lumMod val="85000"/>
+                  </a:schemeClr>
+                </a:solidFill>
+              </a:rPr>
+              <a:t>Scores below 0: Uncomfortable</a:t>
             </a:r>
           </a:p>
         </p:txBody>
@@ -10464,7 +10832,7 @@
           <p:cNvPr id="14" name="TextBox 13">
             <a:extLst>
               <a:ext uri="{FF2B5EF4-FFF2-40B4-BE49-F238E27FC236}">
-                <a16:creationId xmlns:a16="http://schemas.microsoft.com/office/drawing/2014/main" id="{1085563C-D0E9-4147-9D5A-1A71010E870C}"/>
+                <a16:creationId xmlns:a16="http://schemas.microsoft.com/office/drawing/2014/main" id="{36190F8B-6347-B1CD-8ACC-0AA7CF90B52B}"/>
               </a:ext>
             </a:extLst>
           </p:cNvPr>
@@ -10493,7 +10861,48 @@
                   <a:srgbClr val="7FA2DA"/>
                 </a:solidFill>
               </a:rPr>
-              <a:t>25</a:t>
+              <a:t>22</a:t>
+            </a:r>
+          </a:p>
+        </p:txBody>
+      </p:sp>
+      <p:sp>
+        <p:nvSpPr>
+          <p:cNvPr id="23" name="TextBox 22">
+            <a:extLst>
+              <a:ext uri="{FF2B5EF4-FFF2-40B4-BE49-F238E27FC236}">
+                <a16:creationId xmlns:a16="http://schemas.microsoft.com/office/drawing/2014/main" id="{2F63193A-164F-560A-D7B3-757E2631EB02}"/>
+              </a:ext>
+            </a:extLst>
+          </p:cNvPr>
+          <p:cNvSpPr txBox="1"/>
+          <p:nvPr/>
+        </p:nvSpPr>
+        <p:spPr>
+          <a:xfrm>
+            <a:off x="8978778" y="2571585"/>
+            <a:ext cx="2823043" cy="461665"/>
+          </a:xfrm>
+          <a:prstGeom prst="rect">
+            <a:avLst/>
+          </a:prstGeom>
+          <a:noFill/>
+        </p:spPr>
+        <p:txBody>
+          <a:bodyPr wrap="square" rtlCol="0">
+            <a:spAutoFit/>
+          </a:bodyPr>
+          <a:lstStyle/>
+          <a:p>
+            <a:r>
+              <a:rPr lang="en-US" sz="2400" b="1" dirty="0">
+                <a:solidFill>
+                  <a:schemeClr val="bg1">
+                    <a:lumMod val="85000"/>
+                  </a:schemeClr>
+                </a:solidFill>
+              </a:rPr>
+              <a:t>4- Score calculation:  </a:t>
             </a:r>
           </a:p>
         </p:txBody>
@@ -10501,20 +10910,20 @@
     </p:spTree>
     <p:extLst>
       <p:ext uri="{BB962C8B-B14F-4D97-AF65-F5344CB8AC3E}">
-        <p14:creationId xmlns:p14="http://schemas.microsoft.com/office/powerpoint/2010/main" val="1613853445"/>
+        <p14:creationId xmlns:p14="http://schemas.microsoft.com/office/powerpoint/2010/main" val="2934710928"/>
       </p:ext>
     </p:extLst>
   </p:cSld>
   <p:clrMapOvr>
     <a:masterClrMapping/>
   </p:clrMapOvr>
-  <mc:AlternateContent xmlns:mc="http://schemas.openxmlformats.org/markup-compatibility/2006">
-    <mc:Choice xmlns:p15="http://schemas.microsoft.com/office/powerpoint/2012/main" Requires="p15">
+  <mc:AlternateContent xmlns:mc="http://schemas.openxmlformats.org/markup-compatibility/2006" xmlns:p15="http://schemas.microsoft.com/office/powerpoint/2012/main">
+    <mc:Choice Requires="p15">
       <p:transition xmlns:p14="http://schemas.microsoft.com/office/powerpoint/2010/main" spd="slow" p14:dur="1250">
         <p15:prstTrans prst="pageCurlDouble"/>
       </p:transition>
     </mc:Choice>
-    <mc:Fallback>
+    <mc:Fallback xmlns="">
       <p:transition spd="slow">
         <p:fade/>
       </p:transition>
@@ -10567,8 +10976,8 @@
         </p:blipFill>
         <p:spPr>
           <a:xfrm>
-            <a:off x="3" y="0"/>
-            <a:ext cx="12191994" cy="6857997"/>
+            <a:off x="2" y="0"/>
+            <a:ext cx="12191996" cy="6857998"/>
           </a:xfrm>
           <a:prstGeom prst="rect">
             <a:avLst/>
@@ -10609,17 +11018,17 @@
                   <a:srgbClr val="7FA2DA"/>
                 </a:solidFill>
               </a:rPr>
-              <a:t>8. Conclusion</a:t>
-            </a:r>
-          </a:p>
-        </p:txBody>
-      </p:sp>
-      <p:sp>
-        <p:nvSpPr>
-          <p:cNvPr id="13" name="TextBox 12">
-            <a:extLst>
-              <a:ext uri="{FF2B5EF4-FFF2-40B4-BE49-F238E27FC236}">
-                <a16:creationId xmlns:a16="http://schemas.microsoft.com/office/drawing/2014/main" id="{3B54F22A-253D-4064-812B-94821680EB1E}"/>
+              <a:t>6. Methodology - Data Preparation - Data Analysis&amp; AI model</a:t>
+            </a:r>
+          </a:p>
+        </p:txBody>
+      </p:sp>
+      <p:sp>
+        <p:nvSpPr>
+          <p:cNvPr id="7" name="TextBox 6">
+            <a:extLst>
+              <a:ext uri="{FF2B5EF4-FFF2-40B4-BE49-F238E27FC236}">
+                <a16:creationId xmlns:a16="http://schemas.microsoft.com/office/drawing/2014/main" id="{AB61819A-609D-46F8-A5A0-5CC73C743926}"/>
               </a:ext>
             </a:extLst>
           </p:cNvPr>
@@ -10628,8 +11037,81 @@
         </p:nvSpPr>
         <p:spPr>
           <a:xfrm>
-            <a:off x="784022" y="2132204"/>
-            <a:ext cx="11074603" cy="3416320"/>
+            <a:off x="577267" y="1736495"/>
+            <a:ext cx="2813633" cy="461665"/>
+          </a:xfrm>
+          <a:prstGeom prst="rect">
+            <a:avLst/>
+          </a:prstGeom>
+          <a:solidFill>
+            <a:srgbClr val="282F3E"/>
+          </a:solidFill>
+          <a:ln>
+            <a:noFill/>
+          </a:ln>
+          <a:effectLst>
+            <a:outerShdw blurRad="190500" dist="228600" dir="2700000" algn="ctr">
+              <a:srgbClr val="000000">
+                <a:alpha val="30000"/>
+              </a:srgbClr>
+            </a:outerShdw>
+          </a:effectLst>
+          <a:scene3d>
+            <a:camera prst="orthographicFront">
+              <a:rot lat="0" lon="0" rev="0"/>
+            </a:camera>
+            <a:lightRig rig="glow" dir="t">
+              <a:rot lat="0" lon="0" rev="4800000"/>
+            </a:lightRig>
+          </a:scene3d>
+          <a:sp3d prstMaterial="matte">
+            <a:bevelT w="127000" h="63500"/>
+          </a:sp3d>
+        </p:spPr>
+        <p:txBody>
+          <a:bodyPr wrap="square" rtlCol="0">
+            <a:spAutoFit/>
+            <a:sp3d/>
+          </a:bodyPr>
+          <a:lstStyle>
+            <a:defPPr>
+              <a:defRPr lang="en-US"/>
+            </a:defPPr>
+            <a:lvl1pPr>
+              <a:defRPr sz="2400">
+                <a:solidFill>
+                  <a:schemeClr val="bg1">
+                    <a:lumMod val="85000"/>
+                  </a:schemeClr>
+                </a:solidFill>
+              </a:defRPr>
+            </a:lvl1pPr>
+          </a:lstStyle>
+          <a:p>
+            <a:r>
+              <a:rPr lang="fr-FR" dirty="0"/>
+              <a:t>2-  Data Preparation:</a:t>
+            </a:r>
+            <a:endParaRPr lang="en-US" dirty="0"/>
+          </a:p>
+        </p:txBody>
+      </p:sp>
+      <p:sp>
+        <p:nvSpPr>
+          <p:cNvPr id="13" name="TextBox 12">
+            <a:extLst>
+              <a:ext uri="{FF2B5EF4-FFF2-40B4-BE49-F238E27FC236}">
+                <a16:creationId xmlns:a16="http://schemas.microsoft.com/office/drawing/2014/main" id="{3B54F22A-253D-4064-812B-94821680EB1E}"/>
+              </a:ext>
+            </a:extLst>
+          </p:cNvPr>
+          <p:cNvSpPr txBox="1"/>
+          <p:nvPr/>
+        </p:nvSpPr>
+        <p:spPr>
+          <a:xfrm>
+            <a:off x="444616" y="2115516"/>
+            <a:ext cx="7512600" cy="3908762"/>
           </a:xfrm>
           <a:prstGeom prst="rect">
             <a:avLst/>
@@ -10641,18 +11123,6 @@
             <a:spAutoFit/>
           </a:bodyPr>
           <a:lstStyle/>
-          <a:p>
-            <a:r>
-              <a:rPr lang="en-US" sz="2400" dirty="0">
-                <a:solidFill>
-                  <a:schemeClr val="bg1">
-                    <a:lumMod val="85000"/>
-                  </a:schemeClr>
-                </a:solidFill>
-              </a:rPr>
-              <a:t>The analysis confirms that academic stress significantly affects students' mental health, with PHQ-9 scores and self-reported stress levels pointing to widespread psychological distress. </a:t>
-            </a:r>
-          </a:p>
           <a:p>
             <a:endParaRPr lang="en-US" sz="2400" dirty="0">
               <a:solidFill>
@@ -10671,11 +11141,151 @@
                   </a:schemeClr>
                 </a:solidFill>
               </a:rPr>
-              <a:t>Addressing these challenges requires institutional intervention, tailored support systems, and improved awareness to foster a healthier learning environment. </a:t>
-            </a:r>
-          </a:p>
-          <a:p>
-            <a:endParaRPr lang="en-US" sz="2400" dirty="0">
+              <a:t> (</a:t>
+            </a:r>
+            <a:r>
+              <a:rPr lang="en-US" sz="2400" i="1" dirty="0">
+                <a:solidFill>
+                  <a:schemeClr val="bg1">
+                    <a:lumMod val="75000"/>
+                  </a:schemeClr>
+                </a:solidFill>
+              </a:rPr>
+              <a:t>Tool: VS Code: Jupyter Notebook: Python) </a:t>
+            </a:r>
+          </a:p>
+          <a:p>
+            <a:endParaRPr lang="en-US" sz="2400" i="1" dirty="0">
+              <a:solidFill>
+                <a:schemeClr val="bg1">
+                  <a:lumMod val="75000"/>
+                </a:schemeClr>
+              </a:solidFill>
+            </a:endParaRPr>
+          </a:p>
+          <a:p>
+            <a:r>
+              <a:rPr lang="en-US" sz="2200" b="1" dirty="0">
+                <a:solidFill>
+                  <a:schemeClr val="bg1">
+                    <a:lumMod val="85000"/>
+                  </a:schemeClr>
+                </a:solidFill>
+              </a:rPr>
+              <a:t>EDA &amp; Machine Learning:</a:t>
+            </a:r>
+          </a:p>
+          <a:p>
+            <a:r>
+              <a:rPr lang="en-US" sz="2200" dirty="0">
+                <a:solidFill>
+                  <a:schemeClr val="bg1">
+                    <a:lumMod val="85000"/>
+                  </a:schemeClr>
+                </a:solidFill>
+              </a:rPr>
+              <a:t>The primary objective is to develop a multi-class classification model to predict PHQ-9 depression severity levels using features such as (age), (gender),... The process includes data exploration, preprocessing, and model evaluation to determine the best-performing model.</a:t>
+            </a:r>
+            <a:br>
+              <a:rPr lang="en-US" sz="2200" dirty="0">
+                <a:solidFill>
+                  <a:schemeClr val="bg1">
+                    <a:lumMod val="85000"/>
+                  </a:schemeClr>
+                </a:solidFill>
+              </a:rPr>
+            </a:br>
+            <a:r>
+              <a:rPr lang="en-US" sz="2200" dirty="0">
+                <a:solidFill>
+                  <a:schemeClr val="bg1">
+                    <a:lumMod val="85000"/>
+                  </a:schemeClr>
+                </a:solidFill>
+              </a:rPr>
+              <a:t>This predictive tool will support university mental health systems by identifying students requiring intervention.</a:t>
+            </a:r>
+          </a:p>
+        </p:txBody>
+      </p:sp>
+      <p:sp>
+        <p:nvSpPr>
+          <p:cNvPr id="14" name="TextBox 13">
+            <a:extLst>
+              <a:ext uri="{FF2B5EF4-FFF2-40B4-BE49-F238E27FC236}">
+                <a16:creationId xmlns:a16="http://schemas.microsoft.com/office/drawing/2014/main" id="{1085563C-D0E9-4147-9D5A-1A71010E870C}"/>
+              </a:ext>
+            </a:extLst>
+          </p:cNvPr>
+          <p:cNvSpPr txBox="1"/>
+          <p:nvPr/>
+        </p:nvSpPr>
+        <p:spPr>
+          <a:xfrm>
+            <a:off x="11167533" y="6392412"/>
+            <a:ext cx="437237" cy="369332"/>
+          </a:xfrm>
+          <a:prstGeom prst="rect">
+            <a:avLst/>
+          </a:prstGeom>
+          <a:noFill/>
+        </p:spPr>
+        <p:txBody>
+          <a:bodyPr wrap="square" rtlCol="0">
+            <a:spAutoFit/>
+          </a:bodyPr>
+          <a:lstStyle/>
+          <a:p>
+            <a:r>
+              <a:rPr lang="en-US" dirty="0">
+                <a:solidFill>
+                  <a:srgbClr val="7FA2DA"/>
+                </a:solidFill>
+              </a:rPr>
+              <a:t>23</a:t>
+            </a:r>
+          </a:p>
+        </p:txBody>
+      </p:sp>
+      <p:sp>
+        <p:nvSpPr>
+          <p:cNvPr id="23" name="TextBox 22">
+            <a:extLst>
+              <a:ext uri="{FF2B5EF4-FFF2-40B4-BE49-F238E27FC236}">
+                <a16:creationId xmlns:a16="http://schemas.microsoft.com/office/drawing/2014/main" id="{28D5B536-1CA5-4770-B39C-9B6ECDDA389F}"/>
+              </a:ext>
+            </a:extLst>
+          </p:cNvPr>
+          <p:cNvSpPr txBox="1"/>
+          <p:nvPr/>
+        </p:nvSpPr>
+        <p:spPr>
+          <a:xfrm>
+            <a:off x="8086726" y="2571585"/>
+            <a:ext cx="3715096" cy="461665"/>
+          </a:xfrm>
+          <a:prstGeom prst="rect">
+            <a:avLst/>
+          </a:prstGeom>
+          <a:noFill/>
+        </p:spPr>
+        <p:txBody>
+          <a:bodyPr wrap="square" rtlCol="0">
+            <a:spAutoFit/>
+          </a:bodyPr>
+          <a:lstStyle/>
+          <a:p>
+            <a:r>
+              <a:rPr lang="it-IT" sz="2400" b="1" dirty="0">
+                <a:solidFill>
+                  <a:schemeClr val="bg1">
+                    <a:lumMod val="85000"/>
+                  </a:schemeClr>
+                </a:solidFill>
+              </a:rPr>
+              <a:t>5- Data Analysis&amp; AI model</a:t>
+            </a:r>
+            <a:endParaRPr lang="en-US" sz="2400" b="1" dirty="0">
               <a:solidFill>
                 <a:schemeClr val="bg1">
                   <a:lumMod val="85000"/>
@@ -10683,76 +11293,82 @@
               </a:solidFill>
             </a:endParaRPr>
           </a:p>
-          <a:p>
-            <a:r>
-              <a:rPr lang="en-US" sz="2400" dirty="0">
-                <a:solidFill>
-                  <a:schemeClr val="bg1">
-                    <a:lumMod val="85000"/>
-                  </a:schemeClr>
-                </a:solidFill>
-              </a:rPr>
-              <a:t>While data limitations exist, the findings provide a foundation for future research and policy improvements.</a:t>
-            </a:r>
-          </a:p>
-        </p:txBody>
-      </p:sp>
-      <p:sp>
-        <p:nvSpPr>
-          <p:cNvPr id="14" name="TextBox 13">
-            <a:extLst>
-              <a:ext uri="{FF2B5EF4-FFF2-40B4-BE49-F238E27FC236}">
-                <a16:creationId xmlns:a16="http://schemas.microsoft.com/office/drawing/2014/main" id="{1085563C-D0E9-4147-9D5A-1A71010E870C}"/>
-              </a:ext>
-            </a:extLst>
-          </p:cNvPr>
-          <p:cNvSpPr txBox="1"/>
+        </p:txBody>
+      </p:sp>
+      <p:pic>
+        <p:nvPicPr>
+          <p:cNvPr id="9" name="Picture 8">
+            <a:extLst>
+              <a:ext uri="{FF2B5EF4-FFF2-40B4-BE49-F238E27FC236}">
+                <a16:creationId xmlns:a16="http://schemas.microsoft.com/office/drawing/2014/main" id="{70C510E0-3472-488A-9293-2D6EF9C3BE5C}"/>
+              </a:ext>
+            </a:extLst>
+          </p:cNvPr>
+          <p:cNvPicPr/>
           <p:nvPr/>
-        </p:nvSpPr>
-        <p:spPr>
-          <a:xfrm>
-            <a:off x="11167533" y="6392412"/>
-            <a:ext cx="437237" cy="369332"/>
-          </a:xfrm>
-          <a:prstGeom prst="rect">
-            <a:avLst/>
-          </a:prstGeom>
-          <a:noFill/>
-        </p:spPr>
-        <p:txBody>
-          <a:bodyPr wrap="square" rtlCol="0">
-            <a:spAutoFit/>
-          </a:bodyPr>
-          <a:lstStyle/>
-          <a:p>
-            <a:r>
-              <a:rPr lang="en-US" dirty="0">
-                <a:solidFill>
-                  <a:srgbClr val="7FA2DA"/>
-                </a:solidFill>
-              </a:rPr>
-              <a:t>26</a:t>
-            </a:r>
-          </a:p>
-        </p:txBody>
-      </p:sp>
+        </p:nvPicPr>
+        <p:blipFill>
+          <a:blip r:embed="rId3">
+            <a:extLst>
+              <a:ext uri="{28A0092B-C50C-407E-A947-70E740481C1C}">
+                <a14:useLocalDpi xmlns:a14="http://schemas.microsoft.com/office/drawing/2010/main" val="0"/>
+              </a:ext>
+            </a:extLst>
+          </a:blip>
+          <a:srcRect l="9444" r="9444"/>
+          <a:stretch/>
+        </p:blipFill>
+        <p:spPr>
+          <a:xfrm>
+            <a:off x="7763221" y="2900798"/>
+            <a:ext cx="4038600" cy="2800734"/>
+          </a:xfrm>
+          <a:prstGeom prst="roundRect">
+            <a:avLst>
+              <a:gd name="adj" fmla="val 12926"/>
+            </a:avLst>
+          </a:prstGeom>
+          <a:ln>
+            <a:noFill/>
+          </a:ln>
+          <a:effectLst>
+            <a:outerShdw blurRad="152400" dist="12000" dir="900000" sy="98000" kx="110000" ky="200000" algn="tl" rotWithShape="0">
+              <a:srgbClr val="000000">
+                <a:alpha val="30000"/>
+              </a:srgbClr>
+            </a:outerShdw>
+          </a:effectLst>
+          <a:scene3d>
+            <a:camera prst="perspectiveRelaxed">
+              <a:rot lat="19800000" lon="1200000" rev="20820000"/>
+            </a:camera>
+            <a:lightRig rig="threePt" dir="t"/>
+          </a:scene3d>
+          <a:sp3d contourW="6350" prstMaterial="matte">
+            <a:bevelT w="101600" h="101600"/>
+            <a:contourClr>
+              <a:srgbClr val="969696"/>
+            </a:contourClr>
+          </a:sp3d>
+        </p:spPr>
+      </p:pic>
     </p:spTree>
     <p:extLst>
       <p:ext uri="{BB962C8B-B14F-4D97-AF65-F5344CB8AC3E}">
-        <p14:creationId xmlns:p14="http://schemas.microsoft.com/office/powerpoint/2010/main" val="558670743"/>
+        <p14:creationId xmlns:p14="http://schemas.microsoft.com/office/powerpoint/2010/main" val="217384262"/>
       </p:ext>
     </p:extLst>
   </p:cSld>
   <p:clrMapOvr>
     <a:masterClrMapping/>
   </p:clrMapOvr>
-  <mc:AlternateContent xmlns:mc="http://schemas.openxmlformats.org/markup-compatibility/2006">
-    <mc:Choice xmlns:p15="http://schemas.microsoft.com/office/powerpoint/2012/main" Requires="p15">
+  <mc:AlternateContent xmlns:mc="http://schemas.openxmlformats.org/markup-compatibility/2006" xmlns:p15="http://schemas.microsoft.com/office/powerpoint/2012/main">
+    <mc:Choice Requires="p15">
       <p:transition xmlns:p14="http://schemas.microsoft.com/office/powerpoint/2010/main" spd="slow" p14:dur="1250">
         <p15:prstTrans prst="pageCurlDouble"/>
       </p:transition>
     </mc:Choice>
-    <mc:Fallback>
+    <mc:Fallback xmlns="">
       <p:transition spd="slow">
         <p:fade/>
       </p:transition>
@@ -10780,10 +11396,10 @@
       </p:grpSpPr>
       <p:pic>
         <p:nvPicPr>
-          <p:cNvPr id="5" name="Picture 4">
-            <a:extLst>
-              <a:ext uri="{FF2B5EF4-FFF2-40B4-BE49-F238E27FC236}">
-                <a16:creationId xmlns:a16="http://schemas.microsoft.com/office/drawing/2014/main" id="{A9DB8CB8-404C-456D-9C0B-4887DA2D867A}"/>
+          <p:cNvPr id="3" name="Picture 2">
+            <a:extLst>
+              <a:ext uri="{FF2B5EF4-FFF2-40B4-BE49-F238E27FC236}">
+                <a16:creationId xmlns:a16="http://schemas.microsoft.com/office/drawing/2014/main" id="{52C57CA1-5C2C-4B06-81E0-4F087296F58D}"/>
               </a:ext>
             </a:extLst>
           </p:cNvPr>
@@ -10805,31 +11421,896 @@
         </p:blipFill>
         <p:spPr>
           <a:xfrm>
-            <a:off x="0" y="0"/>
-            <a:ext cx="12192000" cy="6857999"/>
+            <a:off x="2" y="0"/>
+            <a:ext cx="12191996" cy="6857998"/>
           </a:xfrm>
           <a:prstGeom prst="rect">
             <a:avLst/>
           </a:prstGeom>
+        </p:spPr>
+      </p:pic>
+      <p:sp>
+        <p:nvSpPr>
+          <p:cNvPr id="4" name="TextBox 3">
+            <a:extLst>
+              <a:ext uri="{FF2B5EF4-FFF2-40B4-BE49-F238E27FC236}">
+                <a16:creationId xmlns:a16="http://schemas.microsoft.com/office/drawing/2014/main" id="{56B7C459-99D6-4E36-A094-BDBE56678AA9}"/>
+              </a:ext>
+            </a:extLst>
+          </p:cNvPr>
+          <p:cNvSpPr txBox="1"/>
+          <p:nvPr/>
+        </p:nvSpPr>
+        <p:spPr>
+          <a:xfrm>
+            <a:off x="444616" y="6392412"/>
+            <a:ext cx="6842009" cy="369332"/>
+          </a:xfrm>
+          <a:prstGeom prst="rect">
+            <a:avLst/>
+          </a:prstGeom>
+          <a:noFill/>
+        </p:spPr>
+        <p:txBody>
+          <a:bodyPr wrap="square" rtlCol="0">
+            <a:spAutoFit/>
+          </a:bodyPr>
+          <a:lstStyle/>
+          <a:p>
+            <a:r>
+              <a:rPr lang="en-US" dirty="0">
+                <a:solidFill>
+                  <a:srgbClr val="7FA2DA"/>
+                </a:solidFill>
+              </a:rPr>
+              <a:t>6. Methodology - Data Preparation - Interpretation</a:t>
+            </a:r>
+          </a:p>
+        </p:txBody>
+      </p:sp>
+      <p:sp>
+        <p:nvSpPr>
+          <p:cNvPr id="7" name="TextBox 6">
+            <a:extLst>
+              <a:ext uri="{FF2B5EF4-FFF2-40B4-BE49-F238E27FC236}">
+                <a16:creationId xmlns:a16="http://schemas.microsoft.com/office/drawing/2014/main" id="{AB61819A-609D-46F8-A5A0-5CC73C743926}"/>
+              </a:ext>
+            </a:extLst>
+          </p:cNvPr>
+          <p:cNvSpPr txBox="1"/>
+          <p:nvPr/>
+        </p:nvSpPr>
+        <p:spPr>
+          <a:xfrm>
+            <a:off x="577267" y="1736495"/>
+            <a:ext cx="2813633" cy="461665"/>
+          </a:xfrm>
+          <a:prstGeom prst="rect">
+            <a:avLst/>
+          </a:prstGeom>
+          <a:solidFill>
+            <a:srgbClr val="282F3E"/>
+          </a:solidFill>
+          <a:ln>
+            <a:noFill/>
+          </a:ln>
+          <a:effectLst>
+            <a:outerShdw blurRad="190500" dist="228600" dir="2700000" algn="ctr">
+              <a:srgbClr val="000000">
+                <a:alpha val="30000"/>
+              </a:srgbClr>
+            </a:outerShdw>
+          </a:effectLst>
+          <a:scene3d>
+            <a:camera prst="orthographicFront">
+              <a:rot lat="0" lon="0" rev="0"/>
+            </a:camera>
+            <a:lightRig rig="glow" dir="t">
+              <a:rot lat="0" lon="0" rev="4800000"/>
+            </a:lightRig>
+          </a:scene3d>
+          <a:sp3d prstMaterial="matte">
+            <a:bevelT w="127000" h="63500"/>
+          </a:sp3d>
+        </p:spPr>
+        <p:txBody>
+          <a:bodyPr wrap="square" rtlCol="0">
+            <a:spAutoFit/>
+            <a:sp3d/>
+          </a:bodyPr>
+          <a:lstStyle>
+            <a:defPPr>
+              <a:defRPr lang="en-US"/>
+            </a:defPPr>
+            <a:lvl1pPr>
+              <a:defRPr sz="2400">
+                <a:solidFill>
+                  <a:schemeClr val="bg1">
+                    <a:lumMod val="85000"/>
+                  </a:schemeClr>
+                </a:solidFill>
+              </a:defRPr>
+            </a:lvl1pPr>
+          </a:lstStyle>
+          <a:p>
+            <a:r>
+              <a:rPr lang="fr-FR" dirty="0"/>
+              <a:t>2-  Data Preparation:</a:t>
+            </a:r>
+            <a:endParaRPr lang="en-US" dirty="0"/>
+          </a:p>
+        </p:txBody>
+      </p:sp>
+      <p:sp>
+        <p:nvSpPr>
+          <p:cNvPr id="13" name="TextBox 12">
+            <a:extLst>
+              <a:ext uri="{FF2B5EF4-FFF2-40B4-BE49-F238E27FC236}">
+                <a16:creationId xmlns:a16="http://schemas.microsoft.com/office/drawing/2014/main" id="{3B54F22A-253D-4064-812B-94821680EB1E}"/>
+              </a:ext>
+            </a:extLst>
+          </p:cNvPr>
+          <p:cNvSpPr txBox="1"/>
+          <p:nvPr/>
+        </p:nvSpPr>
+        <p:spPr>
+          <a:xfrm>
+            <a:off x="390178" y="2222792"/>
+            <a:ext cx="7512600" cy="3570208"/>
+          </a:xfrm>
+          <a:prstGeom prst="rect">
+            <a:avLst/>
+          </a:prstGeom>
+          <a:noFill/>
+        </p:spPr>
+        <p:txBody>
+          <a:bodyPr wrap="square" rtlCol="0">
+            <a:spAutoFit/>
+          </a:bodyPr>
+          <a:lstStyle/>
+          <a:p>
+            <a:endParaRPr lang="en-US" sz="2400" dirty="0">
+              <a:solidFill>
+                <a:schemeClr val="bg1">
+                  <a:lumMod val="85000"/>
+                </a:schemeClr>
+              </a:solidFill>
+            </a:endParaRPr>
+          </a:p>
+          <a:p>
+            <a:r>
+              <a:rPr lang="en-US" sz="2400" dirty="0">
+                <a:solidFill>
+                  <a:schemeClr val="bg1">
+                    <a:lumMod val="85000"/>
+                  </a:schemeClr>
+                </a:solidFill>
+              </a:rPr>
+              <a:t> (</a:t>
+            </a:r>
+            <a:r>
+              <a:rPr lang="en-US" sz="2400" i="1" dirty="0">
+                <a:solidFill>
+                  <a:schemeClr val="bg1">
+                    <a:lumMod val="75000"/>
+                  </a:schemeClr>
+                </a:solidFill>
+              </a:rPr>
+              <a:t>Tool: Power Bi: Dashboard) </a:t>
+            </a:r>
+          </a:p>
+          <a:p>
+            <a:endParaRPr lang="en-US" sz="2400" i="1" dirty="0">
+              <a:solidFill>
+                <a:schemeClr val="bg1">
+                  <a:lumMod val="75000"/>
+                </a:schemeClr>
+              </a:solidFill>
+            </a:endParaRPr>
+          </a:p>
+          <a:p>
+            <a:r>
+              <a:rPr lang="en-US" sz="2200" b="1" dirty="0">
+                <a:solidFill>
+                  <a:schemeClr val="bg1">
+                    <a:lumMod val="85000"/>
+                  </a:schemeClr>
+                </a:solidFill>
+              </a:rPr>
+              <a:t>Answer questions and get insight  at Dashboard:</a:t>
+            </a:r>
+            <a:endParaRPr lang="en-US" sz="2200" dirty="0">
+              <a:solidFill>
+                <a:schemeClr val="bg1">
+                  <a:lumMod val="85000"/>
+                </a:schemeClr>
+              </a:solidFill>
+            </a:endParaRPr>
+          </a:p>
+          <a:p>
+            <a:r>
+              <a:rPr lang="en-US" sz="2200" dirty="0">
+                <a:solidFill>
+                  <a:schemeClr val="bg1">
+                    <a:lumMod val="85000"/>
+                  </a:schemeClr>
+                </a:solidFill>
+              </a:rPr>
+              <a:t>The interactive dashboard offers a visual analysis of factors affecting depression severity (PHQ-9 levels) among university students. It presents key patterns and correlations between demographic, academic variables and mental health indicators.</a:t>
+            </a:r>
+          </a:p>
+          <a:p>
+            <a:r>
+              <a:rPr lang="en-US" sz="2200" dirty="0">
+                <a:solidFill>
+                  <a:schemeClr val="bg1">
+                    <a:lumMod val="85000"/>
+                  </a:schemeClr>
+                </a:solidFill>
+              </a:rPr>
+              <a:t>The insights are designed to enhance understanding and guide data-informed decisions on student mental health support.</a:t>
+            </a:r>
+          </a:p>
+        </p:txBody>
+      </p:sp>
+      <p:sp>
+        <p:nvSpPr>
+          <p:cNvPr id="14" name="TextBox 13">
+            <a:extLst>
+              <a:ext uri="{FF2B5EF4-FFF2-40B4-BE49-F238E27FC236}">
+                <a16:creationId xmlns:a16="http://schemas.microsoft.com/office/drawing/2014/main" id="{1085563C-D0E9-4147-9D5A-1A71010E870C}"/>
+              </a:ext>
+            </a:extLst>
+          </p:cNvPr>
+          <p:cNvSpPr txBox="1"/>
+          <p:nvPr/>
+        </p:nvSpPr>
+        <p:spPr>
+          <a:xfrm>
+            <a:off x="11167533" y="6392412"/>
+            <a:ext cx="437237" cy="369332"/>
+          </a:xfrm>
+          <a:prstGeom prst="rect">
+            <a:avLst/>
+          </a:prstGeom>
+          <a:noFill/>
+        </p:spPr>
+        <p:txBody>
+          <a:bodyPr wrap="square" rtlCol="0">
+            <a:spAutoFit/>
+          </a:bodyPr>
+          <a:lstStyle/>
+          <a:p>
+            <a:r>
+              <a:rPr lang="en-US" dirty="0">
+                <a:solidFill>
+                  <a:srgbClr val="7FA2DA"/>
+                </a:solidFill>
+              </a:rPr>
+              <a:t>24</a:t>
+            </a:r>
+          </a:p>
+        </p:txBody>
+      </p:sp>
+      <p:sp>
+        <p:nvSpPr>
+          <p:cNvPr id="23" name="TextBox 22">
+            <a:extLst>
+              <a:ext uri="{FF2B5EF4-FFF2-40B4-BE49-F238E27FC236}">
+                <a16:creationId xmlns:a16="http://schemas.microsoft.com/office/drawing/2014/main" id="{28D5B536-1CA5-4770-B39C-9B6ECDDA389F}"/>
+              </a:ext>
+            </a:extLst>
+          </p:cNvPr>
+          <p:cNvSpPr txBox="1"/>
+          <p:nvPr/>
+        </p:nvSpPr>
+        <p:spPr>
+          <a:xfrm>
+            <a:off x="8086726" y="2571585"/>
+            <a:ext cx="3715096" cy="461665"/>
+          </a:xfrm>
+          <a:prstGeom prst="rect">
+            <a:avLst/>
+          </a:prstGeom>
+          <a:noFill/>
+        </p:spPr>
+        <p:txBody>
+          <a:bodyPr wrap="square" rtlCol="0">
+            <a:spAutoFit/>
+          </a:bodyPr>
+          <a:lstStyle/>
+          <a:p>
+            <a:pPr algn="ctr"/>
+            <a:r>
+              <a:rPr lang="it-IT" sz="2400" b="1" dirty="0">
+                <a:solidFill>
+                  <a:schemeClr val="bg1">
+                    <a:lumMod val="85000"/>
+                  </a:schemeClr>
+                </a:solidFill>
+              </a:rPr>
+              <a:t>6-  Interpretation</a:t>
+            </a:r>
+            <a:endParaRPr lang="en-US" sz="2400" b="1" dirty="0">
+              <a:solidFill>
+                <a:schemeClr val="bg1">
+                  <a:lumMod val="85000"/>
+                </a:schemeClr>
+              </a:solidFill>
+            </a:endParaRPr>
+          </a:p>
+        </p:txBody>
+      </p:sp>
+      <p:pic>
+        <p:nvPicPr>
+          <p:cNvPr id="9" name="Picture 8">
+            <a:extLst>
+              <a:ext uri="{FF2B5EF4-FFF2-40B4-BE49-F238E27FC236}">
+                <a16:creationId xmlns:a16="http://schemas.microsoft.com/office/drawing/2014/main" id="{70C510E0-3472-488A-9293-2D6EF9C3BE5C}"/>
+              </a:ext>
+            </a:extLst>
+          </p:cNvPr>
+          <p:cNvPicPr/>
+          <p:nvPr/>
+        </p:nvPicPr>
+        <p:blipFill>
+          <a:blip r:embed="rId3">
+            <a:extLst>
+              <a:ext uri="{28A0092B-C50C-407E-A947-70E740481C1C}">
+                <a14:useLocalDpi xmlns:a14="http://schemas.microsoft.com/office/drawing/2010/main" val="0"/>
+              </a:ext>
+            </a:extLst>
+          </a:blip>
+          <a:srcRect l="9079" r="9079"/>
+          <a:stretch/>
+        </p:blipFill>
+        <p:spPr>
+          <a:xfrm>
+            <a:off x="7763221" y="2900798"/>
+            <a:ext cx="4038600" cy="2800734"/>
+          </a:xfrm>
+          <a:prstGeom prst="roundRect">
+            <a:avLst>
+              <a:gd name="adj" fmla="val 12926"/>
+            </a:avLst>
+          </a:prstGeom>
+          <a:ln>
+            <a:noFill/>
+          </a:ln>
+          <a:effectLst>
+            <a:outerShdw blurRad="152400" dist="12000" dir="900000" sy="98000" kx="110000" ky="200000" algn="tl" rotWithShape="0">
+              <a:srgbClr val="000000">
+                <a:alpha val="30000"/>
+              </a:srgbClr>
+            </a:outerShdw>
+          </a:effectLst>
+          <a:scene3d>
+            <a:camera prst="perspectiveRelaxed">
+              <a:rot lat="19800000" lon="1200000" rev="20820000"/>
+            </a:camera>
+            <a:lightRig rig="threePt" dir="t"/>
+          </a:scene3d>
+          <a:sp3d contourW="6350" prstMaterial="matte">
+            <a:bevelT w="101600" h="101600"/>
+            <a:contourClr>
+              <a:srgbClr val="969696"/>
+            </a:contourClr>
+          </a:sp3d>
         </p:spPr>
       </p:pic>
     </p:spTree>
     <p:extLst>
       <p:ext uri="{BB962C8B-B14F-4D97-AF65-F5344CB8AC3E}">
-        <p14:creationId xmlns:p14="http://schemas.microsoft.com/office/powerpoint/2010/main" val="2129717564"/>
+        <p14:creationId xmlns:p14="http://schemas.microsoft.com/office/powerpoint/2010/main" val="2349390111"/>
       </p:ext>
     </p:extLst>
   </p:cSld>
   <p:clrMapOvr>
     <a:masterClrMapping/>
   </p:clrMapOvr>
-  <mc:AlternateContent xmlns:mc="http://schemas.openxmlformats.org/markup-compatibility/2006">
-    <mc:Choice xmlns:p15="http://schemas.microsoft.com/office/powerpoint/2012/main" Requires="p15">
-      <p:transition xmlns:p14="http://schemas.microsoft.com/office/powerpoint/2010/main" spd="slow" p14:dur="2000">
-        <p15:prstTrans prst="wind"/>
+  <mc:AlternateContent xmlns:mc="http://schemas.openxmlformats.org/markup-compatibility/2006" xmlns:p15="http://schemas.microsoft.com/office/powerpoint/2012/main">
+    <mc:Choice Requires="p15">
+      <p:transition xmlns:p14="http://schemas.microsoft.com/office/powerpoint/2010/main" spd="slow" p14:dur="1250">
+        <p15:prstTrans prst="pageCurlDouble"/>
       </p:transition>
     </mc:Choice>
-    <mc:Fallback>
+    <mc:Fallback xmlns="">
+      <p:transition spd="slow">
+        <p:fade/>
+      </p:transition>
+    </mc:Fallback>
+  </mc:AlternateContent>
+</p:sld>
+</file>
+
+<file path=ppt/slides/slide28.xml><?xml version="1.0" encoding="utf-8"?>
+<p:sld xmlns:a="http://schemas.openxmlformats.org/drawingml/2006/main" xmlns:r="http://schemas.openxmlformats.org/officeDocument/2006/relationships" xmlns:p="http://schemas.openxmlformats.org/presentationml/2006/main">
+  <p:cSld>
+    <p:spTree>
+      <p:nvGrpSpPr>
+        <p:cNvPr id="1" name=""/>
+        <p:cNvGrpSpPr/>
+        <p:nvPr/>
+      </p:nvGrpSpPr>
+      <p:grpSpPr>
+        <a:xfrm>
+          <a:off x="0" y="0"/>
+          <a:ext cx="0" cy="0"/>
+          <a:chOff x="0" y="0"/>
+          <a:chExt cx="0" cy="0"/>
+        </a:xfrm>
+      </p:grpSpPr>
+      <p:pic>
+        <p:nvPicPr>
+          <p:cNvPr id="3" name="Picture 2">
+            <a:extLst>
+              <a:ext uri="{FF2B5EF4-FFF2-40B4-BE49-F238E27FC236}">
+                <a16:creationId xmlns:a16="http://schemas.microsoft.com/office/drawing/2014/main" id="{52C57CA1-5C2C-4B06-81E0-4F087296F58D}"/>
+              </a:ext>
+            </a:extLst>
+          </p:cNvPr>
+          <p:cNvPicPr>
+            <a:picLocks noChangeAspect="1"/>
+          </p:cNvPicPr>
+          <p:nvPr/>
+        </p:nvPicPr>
+        <p:blipFill>
+          <a:blip r:embed="rId2">
+            <a:extLst>
+              <a:ext uri="{28A0092B-C50C-407E-A947-70E740481C1C}">
+                <a14:useLocalDpi xmlns:a14="http://schemas.microsoft.com/office/drawing/2010/main" val="0"/>
+              </a:ext>
+            </a:extLst>
+          </a:blip>
+          <a:srcRect/>
+          <a:stretch/>
+        </p:blipFill>
+        <p:spPr>
+          <a:xfrm>
+            <a:off x="2" y="0"/>
+            <a:ext cx="12191996" cy="6857997"/>
+          </a:xfrm>
+          <a:prstGeom prst="rect">
+            <a:avLst/>
+          </a:prstGeom>
+        </p:spPr>
+      </p:pic>
+      <p:sp>
+        <p:nvSpPr>
+          <p:cNvPr id="4" name="TextBox 3">
+            <a:extLst>
+              <a:ext uri="{FF2B5EF4-FFF2-40B4-BE49-F238E27FC236}">
+                <a16:creationId xmlns:a16="http://schemas.microsoft.com/office/drawing/2014/main" id="{56B7C459-99D6-4E36-A094-BDBE56678AA9}"/>
+              </a:ext>
+            </a:extLst>
+          </p:cNvPr>
+          <p:cNvSpPr txBox="1"/>
+          <p:nvPr/>
+        </p:nvSpPr>
+        <p:spPr>
+          <a:xfrm>
+            <a:off x="444616" y="6392412"/>
+            <a:ext cx="6842009" cy="369332"/>
+          </a:xfrm>
+          <a:prstGeom prst="rect">
+            <a:avLst/>
+          </a:prstGeom>
+          <a:noFill/>
+        </p:spPr>
+        <p:txBody>
+          <a:bodyPr wrap="square" rtlCol="0">
+            <a:spAutoFit/>
+          </a:bodyPr>
+          <a:lstStyle/>
+          <a:p>
+            <a:r>
+              <a:rPr lang="en-US" dirty="0">
+                <a:solidFill>
+                  <a:srgbClr val="7FA2DA"/>
+                </a:solidFill>
+              </a:rPr>
+              <a:t>7. Limitations</a:t>
+            </a:r>
+          </a:p>
+        </p:txBody>
+      </p:sp>
+      <p:sp>
+        <p:nvSpPr>
+          <p:cNvPr id="13" name="TextBox 12">
+            <a:extLst>
+              <a:ext uri="{FF2B5EF4-FFF2-40B4-BE49-F238E27FC236}">
+                <a16:creationId xmlns:a16="http://schemas.microsoft.com/office/drawing/2014/main" id="{3B54F22A-253D-4064-812B-94821680EB1E}"/>
+              </a:ext>
+            </a:extLst>
+          </p:cNvPr>
+          <p:cNvSpPr txBox="1"/>
+          <p:nvPr/>
+        </p:nvSpPr>
+        <p:spPr>
+          <a:xfrm>
+            <a:off x="793547" y="2351279"/>
+            <a:ext cx="11122225" cy="2677656"/>
+          </a:xfrm>
+          <a:prstGeom prst="rect">
+            <a:avLst/>
+          </a:prstGeom>
+          <a:noFill/>
+        </p:spPr>
+        <p:txBody>
+          <a:bodyPr wrap="square" rtlCol="0">
+            <a:spAutoFit/>
+          </a:bodyPr>
+          <a:lstStyle/>
+          <a:p>
+            <a:r>
+              <a:rPr lang="en-US" sz="2400" dirty="0">
+                <a:solidFill>
+                  <a:schemeClr val="bg1">
+                    <a:lumMod val="85000"/>
+                  </a:schemeClr>
+                </a:solidFill>
+                <a:latin typeface="Times New Roman" panose="02020603050405020304" pitchFamily="18" charset="0"/>
+                <a:cs typeface="Times New Roman" panose="02020603050405020304" pitchFamily="18" charset="0"/>
+              </a:rPr>
+              <a:t>A major limitation of this study is response bias, as many participants provided incomplete or inconsistent answers, reducing the accuracy and reliability of the dataset. </a:t>
+            </a:r>
+          </a:p>
+          <a:p>
+            <a:endParaRPr lang="en-US" sz="2400" dirty="0">
+              <a:solidFill>
+                <a:schemeClr val="bg1">
+                  <a:lumMod val="85000"/>
+                </a:schemeClr>
+              </a:solidFill>
+              <a:latin typeface="Times New Roman" panose="02020603050405020304" pitchFamily="18" charset="0"/>
+              <a:cs typeface="Times New Roman" panose="02020603050405020304" pitchFamily="18" charset="0"/>
+            </a:endParaRPr>
+          </a:p>
+          <a:p>
+            <a:r>
+              <a:rPr lang="en-US" sz="2400" dirty="0">
+                <a:solidFill>
+                  <a:schemeClr val="bg1">
+                    <a:lumMod val="85000"/>
+                  </a:schemeClr>
+                </a:solidFill>
+                <a:latin typeface="Times New Roman" panose="02020603050405020304" pitchFamily="18" charset="0"/>
+                <a:cs typeface="Times New Roman" panose="02020603050405020304" pitchFamily="18" charset="0"/>
+              </a:rPr>
+              <a:t>Additionally, time compliance issues suggest that some respondents rushed through the survey without careful reflection, potentially compromising data integrity. </a:t>
+            </a:r>
+          </a:p>
+          <a:p>
+            <a:endParaRPr lang="en-US" sz="2400" dirty="0">
+              <a:solidFill>
+                <a:schemeClr val="bg1">
+                  <a:lumMod val="85000"/>
+                </a:schemeClr>
+              </a:solidFill>
+              <a:latin typeface="Times New Roman" panose="02020603050405020304" pitchFamily="18" charset="0"/>
+              <a:cs typeface="Times New Roman" panose="02020603050405020304" pitchFamily="18" charset="0"/>
+            </a:endParaRPr>
+          </a:p>
+          <a:p>
+            <a:r>
+              <a:rPr lang="en-US" sz="2400" dirty="0">
+                <a:solidFill>
+                  <a:schemeClr val="bg1">
+                    <a:lumMod val="85000"/>
+                  </a:schemeClr>
+                </a:solidFill>
+                <a:latin typeface="Times New Roman" panose="02020603050405020304" pitchFamily="18" charset="0"/>
+                <a:cs typeface="Times New Roman" panose="02020603050405020304" pitchFamily="18" charset="0"/>
+              </a:rPr>
+              <a:t>These factors may skew insights and limit the generalizability of findings.</a:t>
+            </a:r>
+          </a:p>
+        </p:txBody>
+      </p:sp>
+      <p:sp>
+        <p:nvSpPr>
+          <p:cNvPr id="14" name="TextBox 13">
+            <a:extLst>
+              <a:ext uri="{FF2B5EF4-FFF2-40B4-BE49-F238E27FC236}">
+                <a16:creationId xmlns:a16="http://schemas.microsoft.com/office/drawing/2014/main" id="{1085563C-D0E9-4147-9D5A-1A71010E870C}"/>
+              </a:ext>
+            </a:extLst>
+          </p:cNvPr>
+          <p:cNvSpPr txBox="1"/>
+          <p:nvPr/>
+        </p:nvSpPr>
+        <p:spPr>
+          <a:xfrm>
+            <a:off x="11167533" y="6392412"/>
+            <a:ext cx="437237" cy="369332"/>
+          </a:xfrm>
+          <a:prstGeom prst="rect">
+            <a:avLst/>
+          </a:prstGeom>
+          <a:noFill/>
+        </p:spPr>
+        <p:txBody>
+          <a:bodyPr wrap="square" rtlCol="0">
+            <a:spAutoFit/>
+          </a:bodyPr>
+          <a:lstStyle/>
+          <a:p>
+            <a:r>
+              <a:rPr lang="en-US" dirty="0">
+                <a:solidFill>
+                  <a:srgbClr val="7FA2DA"/>
+                </a:solidFill>
+              </a:rPr>
+              <a:t>25</a:t>
+            </a:r>
+          </a:p>
+        </p:txBody>
+      </p:sp>
+    </p:spTree>
+    <p:extLst>
+      <p:ext uri="{BB962C8B-B14F-4D97-AF65-F5344CB8AC3E}">
+        <p14:creationId xmlns:p14="http://schemas.microsoft.com/office/powerpoint/2010/main" val="1613853445"/>
+      </p:ext>
+    </p:extLst>
+  </p:cSld>
+  <p:clrMapOvr>
+    <a:masterClrMapping/>
+  </p:clrMapOvr>
+  <mc:AlternateContent xmlns:mc="http://schemas.openxmlformats.org/markup-compatibility/2006" xmlns:p15="http://schemas.microsoft.com/office/powerpoint/2012/main">
+    <mc:Choice Requires="p15">
+      <p:transition xmlns:p14="http://schemas.microsoft.com/office/powerpoint/2010/main" spd="slow" p14:dur="1250">
+        <p15:prstTrans prst="pageCurlDouble"/>
+      </p:transition>
+    </mc:Choice>
+    <mc:Fallback xmlns="">
+      <p:transition spd="slow">
+        <p:fade/>
+      </p:transition>
+    </mc:Fallback>
+  </mc:AlternateContent>
+</p:sld>
+</file>
+
+<file path=ppt/slides/slide29.xml><?xml version="1.0" encoding="utf-8"?>
+<p:sld xmlns:a="http://schemas.openxmlformats.org/drawingml/2006/main" xmlns:r="http://schemas.openxmlformats.org/officeDocument/2006/relationships" xmlns:p="http://schemas.openxmlformats.org/presentationml/2006/main">
+  <p:cSld>
+    <p:spTree>
+      <p:nvGrpSpPr>
+        <p:cNvPr id="1" name=""/>
+        <p:cNvGrpSpPr/>
+        <p:nvPr/>
+      </p:nvGrpSpPr>
+      <p:grpSpPr>
+        <a:xfrm>
+          <a:off x="0" y="0"/>
+          <a:ext cx="0" cy="0"/>
+          <a:chOff x="0" y="0"/>
+          <a:chExt cx="0" cy="0"/>
+        </a:xfrm>
+      </p:grpSpPr>
+      <p:pic>
+        <p:nvPicPr>
+          <p:cNvPr id="3" name="Picture 2">
+            <a:extLst>
+              <a:ext uri="{FF2B5EF4-FFF2-40B4-BE49-F238E27FC236}">
+                <a16:creationId xmlns:a16="http://schemas.microsoft.com/office/drawing/2014/main" id="{52C57CA1-5C2C-4B06-81E0-4F087296F58D}"/>
+              </a:ext>
+            </a:extLst>
+          </p:cNvPr>
+          <p:cNvPicPr>
+            <a:picLocks noChangeAspect="1"/>
+          </p:cNvPicPr>
+          <p:nvPr/>
+        </p:nvPicPr>
+        <p:blipFill>
+          <a:blip r:embed="rId2">
+            <a:extLst>
+              <a:ext uri="{28A0092B-C50C-407E-A947-70E740481C1C}">
+                <a14:useLocalDpi xmlns:a14="http://schemas.microsoft.com/office/drawing/2010/main" val="0"/>
+              </a:ext>
+            </a:extLst>
+          </a:blip>
+          <a:srcRect/>
+          <a:stretch/>
+        </p:blipFill>
+        <p:spPr>
+          <a:xfrm>
+            <a:off x="6" y="3"/>
+            <a:ext cx="12191994" cy="6857997"/>
+          </a:xfrm>
+          <a:prstGeom prst="rect">
+            <a:avLst/>
+          </a:prstGeom>
+        </p:spPr>
+      </p:pic>
+      <p:sp>
+        <p:nvSpPr>
+          <p:cNvPr id="4" name="TextBox 3">
+            <a:extLst>
+              <a:ext uri="{FF2B5EF4-FFF2-40B4-BE49-F238E27FC236}">
+                <a16:creationId xmlns:a16="http://schemas.microsoft.com/office/drawing/2014/main" id="{56B7C459-99D6-4E36-A094-BDBE56678AA9}"/>
+              </a:ext>
+            </a:extLst>
+          </p:cNvPr>
+          <p:cNvSpPr txBox="1"/>
+          <p:nvPr/>
+        </p:nvSpPr>
+        <p:spPr>
+          <a:xfrm>
+            <a:off x="444616" y="6392412"/>
+            <a:ext cx="6842009" cy="369332"/>
+          </a:xfrm>
+          <a:prstGeom prst="rect">
+            <a:avLst/>
+          </a:prstGeom>
+          <a:noFill/>
+        </p:spPr>
+        <p:txBody>
+          <a:bodyPr wrap="square" rtlCol="0">
+            <a:spAutoFit/>
+          </a:bodyPr>
+          <a:lstStyle/>
+          <a:p>
+            <a:r>
+              <a:rPr lang="en-US" dirty="0">
+                <a:solidFill>
+                  <a:srgbClr val="7FA2DA"/>
+                </a:solidFill>
+              </a:rPr>
+              <a:t>8. Conclusion</a:t>
+            </a:r>
+          </a:p>
+        </p:txBody>
+      </p:sp>
+      <p:sp>
+        <p:nvSpPr>
+          <p:cNvPr id="13" name="TextBox 12">
+            <a:extLst>
+              <a:ext uri="{FF2B5EF4-FFF2-40B4-BE49-F238E27FC236}">
+                <a16:creationId xmlns:a16="http://schemas.microsoft.com/office/drawing/2014/main" id="{3B54F22A-253D-4064-812B-94821680EB1E}"/>
+              </a:ext>
+            </a:extLst>
+          </p:cNvPr>
+          <p:cNvSpPr txBox="1"/>
+          <p:nvPr/>
+        </p:nvSpPr>
+        <p:spPr>
+          <a:xfrm>
+            <a:off x="784022" y="2132204"/>
+            <a:ext cx="11074603" cy="3416320"/>
+          </a:xfrm>
+          <a:prstGeom prst="rect">
+            <a:avLst/>
+          </a:prstGeom>
+          <a:noFill/>
+        </p:spPr>
+        <p:txBody>
+          <a:bodyPr wrap="square" rtlCol="0">
+            <a:spAutoFit/>
+          </a:bodyPr>
+          <a:lstStyle/>
+          <a:p>
+            <a:r>
+              <a:rPr lang="en-US" sz="2400" dirty="0">
+                <a:solidFill>
+                  <a:schemeClr val="bg1">
+                    <a:lumMod val="85000"/>
+                  </a:schemeClr>
+                </a:solidFill>
+                <a:latin typeface="Times New Roman" panose="02020603050405020304" pitchFamily="18" charset="0"/>
+                <a:cs typeface="Times New Roman" panose="02020603050405020304" pitchFamily="18" charset="0"/>
+              </a:rPr>
+              <a:t>The analysis confirms that academic stress significantly affects students' mental health, with PHQ-9 scores and self-reported stress levels pointing to widespread psychological distress. </a:t>
+            </a:r>
+          </a:p>
+          <a:p>
+            <a:endParaRPr lang="en-US" sz="2400" dirty="0">
+              <a:solidFill>
+                <a:schemeClr val="bg1">
+                  <a:lumMod val="85000"/>
+                </a:schemeClr>
+              </a:solidFill>
+              <a:latin typeface="Times New Roman" panose="02020603050405020304" pitchFamily="18" charset="0"/>
+              <a:cs typeface="Times New Roman" panose="02020603050405020304" pitchFamily="18" charset="0"/>
+            </a:endParaRPr>
+          </a:p>
+          <a:p>
+            <a:r>
+              <a:rPr lang="en-US" sz="2400" dirty="0">
+                <a:solidFill>
+                  <a:schemeClr val="bg1">
+                    <a:lumMod val="85000"/>
+                  </a:schemeClr>
+                </a:solidFill>
+                <a:latin typeface="Times New Roman" panose="02020603050405020304" pitchFamily="18" charset="0"/>
+                <a:cs typeface="Times New Roman" panose="02020603050405020304" pitchFamily="18" charset="0"/>
+              </a:rPr>
+              <a:t>Addressing these challenges requires institutional intervention, tailored support systems, and improved awareness to foster a healthier learning environment. </a:t>
+            </a:r>
+          </a:p>
+          <a:p>
+            <a:endParaRPr lang="en-US" sz="2400" dirty="0">
+              <a:solidFill>
+                <a:schemeClr val="bg1">
+                  <a:lumMod val="85000"/>
+                </a:schemeClr>
+              </a:solidFill>
+              <a:latin typeface="Times New Roman" panose="02020603050405020304" pitchFamily="18" charset="0"/>
+              <a:cs typeface="Times New Roman" panose="02020603050405020304" pitchFamily="18" charset="0"/>
+            </a:endParaRPr>
+          </a:p>
+          <a:p>
+            <a:r>
+              <a:rPr lang="en-US" sz="2400" dirty="0">
+                <a:solidFill>
+                  <a:schemeClr val="bg1">
+                    <a:lumMod val="85000"/>
+                  </a:schemeClr>
+                </a:solidFill>
+                <a:latin typeface="Times New Roman" panose="02020603050405020304" pitchFamily="18" charset="0"/>
+                <a:cs typeface="Times New Roman" panose="02020603050405020304" pitchFamily="18" charset="0"/>
+              </a:rPr>
+              <a:t>While data limitations exist, the findings provide a foundation for future research and policy improvements.</a:t>
+            </a:r>
+          </a:p>
+        </p:txBody>
+      </p:sp>
+      <p:sp>
+        <p:nvSpPr>
+          <p:cNvPr id="14" name="TextBox 13">
+            <a:extLst>
+              <a:ext uri="{FF2B5EF4-FFF2-40B4-BE49-F238E27FC236}">
+                <a16:creationId xmlns:a16="http://schemas.microsoft.com/office/drawing/2014/main" id="{1085563C-D0E9-4147-9D5A-1A71010E870C}"/>
+              </a:ext>
+            </a:extLst>
+          </p:cNvPr>
+          <p:cNvSpPr txBox="1"/>
+          <p:nvPr/>
+        </p:nvSpPr>
+        <p:spPr>
+          <a:xfrm>
+            <a:off x="11167533" y="6392412"/>
+            <a:ext cx="437237" cy="369332"/>
+          </a:xfrm>
+          <a:prstGeom prst="rect">
+            <a:avLst/>
+          </a:prstGeom>
+          <a:noFill/>
+        </p:spPr>
+        <p:txBody>
+          <a:bodyPr wrap="square" rtlCol="0">
+            <a:spAutoFit/>
+          </a:bodyPr>
+          <a:lstStyle/>
+          <a:p>
+            <a:r>
+              <a:rPr lang="en-US" dirty="0">
+                <a:solidFill>
+                  <a:srgbClr val="7FA2DA"/>
+                </a:solidFill>
+              </a:rPr>
+              <a:t>26</a:t>
+            </a:r>
+          </a:p>
+        </p:txBody>
+      </p:sp>
+    </p:spTree>
+    <p:extLst>
+      <p:ext uri="{BB962C8B-B14F-4D97-AF65-F5344CB8AC3E}">
+        <p14:creationId xmlns:p14="http://schemas.microsoft.com/office/powerpoint/2010/main" val="558670743"/>
+      </p:ext>
+    </p:extLst>
+  </p:cSld>
+  <p:clrMapOvr>
+    <a:masterClrMapping/>
+  </p:clrMapOvr>
+  <mc:AlternateContent xmlns:mc="http://schemas.openxmlformats.org/markup-compatibility/2006" xmlns:p15="http://schemas.microsoft.com/office/powerpoint/2012/main">
+    <mc:Choice Requires="p15">
+      <p:transition xmlns:p14="http://schemas.microsoft.com/office/powerpoint/2010/main" spd="slow" p14:dur="1250">
+        <p15:prstTrans prst="pageCurlDouble"/>
+      </p:transition>
+    </mc:Choice>
+    <mc:Fallback xmlns="">
       <p:transition spd="slow">
         <p:fade/>
       </p:transition>
@@ -12473,6 +13954,83 @@
 </p:sld>
 </file>
 
+<file path=ppt/slides/slide30.xml><?xml version="1.0" encoding="utf-8"?>
+<p:sld xmlns:a="http://schemas.openxmlformats.org/drawingml/2006/main" xmlns:r="http://schemas.openxmlformats.org/officeDocument/2006/relationships" xmlns:p="http://schemas.openxmlformats.org/presentationml/2006/main">
+  <p:cSld>
+    <p:spTree>
+      <p:nvGrpSpPr>
+        <p:cNvPr id="1" name=""/>
+        <p:cNvGrpSpPr/>
+        <p:nvPr/>
+      </p:nvGrpSpPr>
+      <p:grpSpPr>
+        <a:xfrm>
+          <a:off x="0" y="0"/>
+          <a:ext cx="0" cy="0"/>
+          <a:chOff x="0" y="0"/>
+          <a:chExt cx="0" cy="0"/>
+        </a:xfrm>
+      </p:grpSpPr>
+      <p:pic>
+        <p:nvPicPr>
+          <p:cNvPr id="5" name="Picture 4">
+            <a:extLst>
+              <a:ext uri="{FF2B5EF4-FFF2-40B4-BE49-F238E27FC236}">
+                <a16:creationId xmlns:a16="http://schemas.microsoft.com/office/drawing/2014/main" id="{A9DB8CB8-404C-456D-9C0B-4887DA2D867A}"/>
+              </a:ext>
+            </a:extLst>
+          </p:cNvPr>
+          <p:cNvPicPr>
+            <a:picLocks noChangeAspect="1"/>
+          </p:cNvPicPr>
+          <p:nvPr/>
+        </p:nvPicPr>
+        <p:blipFill>
+          <a:blip r:embed="rId2">
+            <a:extLst>
+              <a:ext uri="{28A0092B-C50C-407E-A947-70E740481C1C}">
+                <a14:useLocalDpi xmlns:a14="http://schemas.microsoft.com/office/drawing/2010/main" val="0"/>
+              </a:ext>
+            </a:extLst>
+          </a:blip>
+          <a:srcRect/>
+          <a:stretch/>
+        </p:blipFill>
+        <p:spPr>
+          <a:xfrm>
+            <a:off x="0" y="0"/>
+            <a:ext cx="12192000" cy="6857999"/>
+          </a:xfrm>
+          <a:prstGeom prst="rect">
+            <a:avLst/>
+          </a:prstGeom>
+        </p:spPr>
+      </p:pic>
+    </p:spTree>
+    <p:extLst>
+      <p:ext uri="{BB962C8B-B14F-4D97-AF65-F5344CB8AC3E}">
+        <p14:creationId xmlns:p14="http://schemas.microsoft.com/office/powerpoint/2010/main" val="2129717564"/>
+      </p:ext>
+    </p:extLst>
+  </p:cSld>
+  <p:clrMapOvr>
+    <a:masterClrMapping/>
+  </p:clrMapOvr>
+  <mc:AlternateContent xmlns:mc="http://schemas.openxmlformats.org/markup-compatibility/2006" xmlns:p15="http://schemas.microsoft.com/office/powerpoint/2012/main">
+    <mc:Choice Requires="p15">
+      <p:transition xmlns:p14="http://schemas.microsoft.com/office/powerpoint/2010/main" spd="slow" p14:dur="2000">
+        <p15:prstTrans prst="wind"/>
+      </p:transition>
+    </mc:Choice>
+    <mc:Fallback xmlns="">
+      <p:transition spd="slow">
+        <p:fade/>
+      </p:transition>
+    </mc:Fallback>
+  </mc:AlternateContent>
+</p:sld>
+</file>
+
 <file path=ppt/slides/slide4.xml><?xml version="1.0" encoding="utf-8"?>
 <p:sld xmlns:a="http://schemas.openxmlformats.org/drawingml/2006/main" xmlns:r="http://schemas.openxmlformats.org/officeDocument/2006/relationships" xmlns:p="http://schemas.openxmlformats.org/presentationml/2006/main">
   <p:cSld>
@@ -12675,13 +14233,13 @@
   <p:clrMapOvr>
     <a:masterClrMapping/>
   </p:clrMapOvr>
-  <mc:AlternateContent xmlns:mc="http://schemas.openxmlformats.org/markup-compatibility/2006">
-    <mc:Choice xmlns:p15="http://schemas.microsoft.com/office/powerpoint/2012/main" Requires="p15">
+  <mc:AlternateContent xmlns:mc="http://schemas.openxmlformats.org/markup-compatibility/2006" xmlns:p15="http://schemas.microsoft.com/office/powerpoint/2012/main">
+    <mc:Choice Requires="p15">
       <p:transition xmlns:p14="http://schemas.microsoft.com/office/powerpoint/2010/main" spd="slow" p14:dur="1250">
         <p15:prstTrans prst="pageCurlDouble"/>
       </p:transition>
     </mc:Choice>
-    <mc:Fallback>
+    <mc:Fallback xmlns="">
       <p:transition spd="slow">
         <p:fade/>
       </p:transition>
@@ -13574,13 +15132,13 @@
   <p:clrMapOvr>
     <a:masterClrMapping/>
   </p:clrMapOvr>
-  <mc:AlternateContent xmlns:mc="http://schemas.openxmlformats.org/markup-compatibility/2006">
-    <mc:Choice xmlns:p15="http://schemas.microsoft.com/office/powerpoint/2012/main" Requires="p15">
+  <mc:AlternateContent xmlns:mc="http://schemas.openxmlformats.org/markup-compatibility/2006" xmlns:p15="http://schemas.microsoft.com/office/powerpoint/2012/main">
+    <mc:Choice Requires="p15">
       <p:transition xmlns:p14="http://schemas.microsoft.com/office/powerpoint/2010/main" spd="slow" p14:dur="1250">
         <p15:prstTrans prst="pageCurlDouble"/>
       </p:transition>
     </mc:Choice>
-    <mc:Fallback>
+    <mc:Fallback xmlns="">
       <p:transition spd="slow">
         <p:fade/>
       </p:transition>
@@ -13791,13 +15349,13 @@
   <p:clrMapOvr>
     <a:masterClrMapping/>
   </p:clrMapOvr>
-  <mc:AlternateContent xmlns:mc="http://schemas.openxmlformats.org/markup-compatibility/2006">
-    <mc:Choice xmlns:p15="http://schemas.microsoft.com/office/powerpoint/2012/main" Requires="p15">
+  <mc:AlternateContent xmlns:mc="http://schemas.openxmlformats.org/markup-compatibility/2006" xmlns:p15="http://schemas.microsoft.com/office/powerpoint/2012/main">
+    <mc:Choice Requires="p15">
       <p:transition xmlns:p14="http://schemas.microsoft.com/office/powerpoint/2010/main" spd="slow" p14:dur="1250">
         <p15:prstTrans prst="pageCurlDouble"/>
       </p:transition>
     </mc:Choice>
-    <mc:Fallback>
+    <mc:Fallback xmlns="">
       <p:transition spd="slow">
         <p:fade/>
       </p:transition>
@@ -13965,7 +15523,7 @@
           <a:lstStyle/>
           <a:p>
             <a:r>
-              <a:rPr lang="en-US" sz="2400" dirty="0">
+              <a:rPr lang="en-US" sz="2400" b="1" dirty="0">
                 <a:solidFill>
                   <a:schemeClr val="bg1">
                     <a:lumMod val="85000"/>
@@ -14076,13 +15634,13 @@
   <p:clrMapOvr>
     <a:masterClrMapping/>
   </p:clrMapOvr>
-  <mc:AlternateContent xmlns:mc="http://schemas.openxmlformats.org/markup-compatibility/2006">
-    <mc:Choice xmlns:p15="http://schemas.microsoft.com/office/powerpoint/2012/main" Requires="p15">
+  <mc:AlternateContent xmlns:mc="http://schemas.openxmlformats.org/markup-compatibility/2006" xmlns:p15="http://schemas.microsoft.com/office/powerpoint/2012/main">
+    <mc:Choice Requires="p15">
       <p:transition xmlns:p14="http://schemas.microsoft.com/office/powerpoint/2010/main" spd="slow" p14:dur="1250">
         <p15:prstTrans prst="pageCurlDouble"/>
       </p:transition>
     </mc:Choice>
-    <mc:Fallback>
+    <mc:Fallback xmlns="">
       <p:transition spd="slow">
         <p:fade/>
       </p:transition>
@@ -14250,7 +15808,7 @@
           <a:lstStyle/>
           <a:p>
             <a:r>
-              <a:rPr lang="en-US" sz="2400" dirty="0">
+              <a:rPr lang="en-US" sz="2400" b="1" dirty="0">
                 <a:solidFill>
                   <a:schemeClr val="bg1">
                     <a:lumMod val="85000"/>
@@ -14326,13 +15884,13 @@
   <p:clrMapOvr>
     <a:masterClrMapping/>
   </p:clrMapOvr>
-  <mc:AlternateContent xmlns:mc="http://schemas.openxmlformats.org/markup-compatibility/2006">
-    <mc:Choice xmlns:p15="http://schemas.microsoft.com/office/powerpoint/2012/main" Requires="p15">
+  <mc:AlternateContent xmlns:mc="http://schemas.openxmlformats.org/markup-compatibility/2006" xmlns:p15="http://schemas.microsoft.com/office/powerpoint/2012/main">
+    <mc:Choice Requires="p15">
       <p:transition xmlns:p14="http://schemas.microsoft.com/office/powerpoint/2010/main" spd="slow" p14:dur="1250">
         <p15:prstTrans prst="pageCurlDouble"/>
       </p:transition>
     </mc:Choice>
-    <mc:Fallback>
+    <mc:Fallback xmlns="">
       <p:transition spd="slow">
         <p:fade/>
       </p:transition>
@@ -14584,13 +16142,13 @@
   <p:clrMapOvr>
     <a:masterClrMapping/>
   </p:clrMapOvr>
-  <mc:AlternateContent xmlns:mc="http://schemas.openxmlformats.org/markup-compatibility/2006">
-    <mc:Choice xmlns:p15="http://schemas.microsoft.com/office/powerpoint/2012/main" Requires="p15">
+  <mc:AlternateContent xmlns:mc="http://schemas.openxmlformats.org/markup-compatibility/2006" xmlns:p15="http://schemas.microsoft.com/office/powerpoint/2012/main">
+    <mc:Choice Requires="p15">
       <p:transition xmlns:p14="http://schemas.microsoft.com/office/powerpoint/2010/main" spd="slow" p14:dur="1250">
         <p15:prstTrans prst="pageCurlDouble"/>
       </p:transition>
     </mc:Choice>
-    <mc:Fallback>
+    <mc:Fallback xmlns="">
       <p:transition spd="slow">
         <p:fade/>
       </p:transition>
